--- a/database/9강 MySQL Trigger.pptx
+++ b/database/9강 MySQL Trigger.pptx
@@ -329,7 +329,7 @@
                 </a:solidFill>
               </a:rPr>
               <a:pPr/>
-              <a:t>2022-06-07</a:t>
+              <a:t>2022-06-08</a:t>
             </a:fld>
             <a:endParaRPr lang="ko-KR" altLang="en-US">
               <a:solidFill>
@@ -559,7 +559,7 @@
                 </a:solidFill>
               </a:rPr>
               <a:pPr/>
-              <a:t>2022-06-07</a:t>
+              <a:t>2022-06-08</a:t>
             </a:fld>
             <a:endParaRPr lang="ko-KR" altLang="en-US">
               <a:solidFill>
@@ -799,7 +799,7 @@
                 </a:solidFill>
               </a:rPr>
               <a:pPr/>
-              <a:t>2022-06-07</a:t>
+              <a:t>2022-06-08</a:t>
             </a:fld>
             <a:endParaRPr lang="ko-KR" altLang="en-US">
               <a:solidFill>
@@ -1031,7 +1031,7 @@
                 <a:latin typeface="맑은 고딕" charset="0"/>
                 <a:ea typeface="맑은 고딕" charset="0"/>
               </a:rPr>
-              <a:t>2022-06-07</a:t>
+              <a:t>2022-06-08</a:t>
             </a:fld>
             <a:endParaRPr lang="ko-KR" altLang="en-US">
               <a:solidFill>
@@ -1310,7 +1310,7 @@
                 <a:latin typeface="맑은 고딕" charset="0"/>
                 <a:ea typeface="맑은 고딕" charset="0"/>
               </a:rPr>
-              <a:t>2022-06-07</a:t>
+              <a:t>2022-06-08</a:t>
             </a:fld>
             <a:endParaRPr lang="ko-KR" altLang="en-US">
               <a:solidFill>
@@ -1552,7 +1552,7 @@
                 <a:latin typeface="맑은 고딕" charset="0"/>
                 <a:ea typeface="맑은 고딕" charset="0"/>
               </a:rPr>
-              <a:t>2022-06-07</a:t>
+              <a:t>2022-06-08</a:t>
             </a:fld>
             <a:endParaRPr lang="ko-KR" altLang="en-US">
               <a:solidFill>
@@ -1907,7 +1907,7 @@
                 <a:latin typeface="맑은 고딕" charset="0"/>
                 <a:ea typeface="맑은 고딕" charset="0"/>
               </a:rPr>
-              <a:t>2022-06-07</a:t>
+              <a:t>2022-06-08</a:t>
             </a:fld>
             <a:endParaRPr lang="ko-KR" altLang="en-US">
               <a:solidFill>
@@ -2340,7 +2340,7 @@
                 <a:latin typeface="맑은 고딕" charset="0"/>
                 <a:ea typeface="맑은 고딕" charset="0"/>
               </a:rPr>
-              <a:t>2022-06-07</a:t>
+              <a:t>2022-06-08</a:t>
             </a:fld>
             <a:endParaRPr lang="ko-KR" altLang="en-US">
               <a:solidFill>
@@ -2543,7 +2543,7 @@
                 <a:latin typeface="맑은 고딕" charset="0"/>
                 <a:ea typeface="맑은 고딕" charset="0"/>
               </a:rPr>
-              <a:t>2022-06-07</a:t>
+              <a:t>2022-06-08</a:t>
             </a:fld>
             <a:endParaRPr lang="ko-KR" altLang="en-US">
               <a:solidFill>
@@ -2707,7 +2707,7 @@
                 <a:latin typeface="맑은 고딕" charset="0"/>
                 <a:ea typeface="맑은 고딕" charset="0"/>
               </a:rPr>
-              <a:t>2022-06-07</a:t>
+              <a:t>2022-06-08</a:t>
             </a:fld>
             <a:endParaRPr lang="ko-KR" altLang="en-US">
               <a:solidFill>
@@ -3025,7 +3025,7 @@
                 <a:latin typeface="맑은 고딕" charset="0"/>
                 <a:ea typeface="맑은 고딕" charset="0"/>
               </a:rPr>
-              <a:t>2022-06-07</a:t>
+              <a:t>2022-06-08</a:t>
             </a:fld>
             <a:endParaRPr lang="ko-KR" altLang="en-US">
               <a:solidFill>
@@ -3265,7 +3265,7 @@
                 </a:solidFill>
               </a:rPr>
               <a:pPr/>
-              <a:t>2022-06-07</a:t>
+              <a:t>2022-06-08</a:t>
             </a:fld>
             <a:endParaRPr lang="ko-KR" altLang="en-US">
               <a:solidFill>
@@ -3517,7 +3517,7 @@
                 <a:latin typeface="맑은 고딕" charset="0"/>
                 <a:ea typeface="맑은 고딕" charset="0"/>
               </a:rPr>
-              <a:t>2022-06-07</a:t>
+              <a:t>2022-06-08</a:t>
             </a:fld>
             <a:endParaRPr lang="ko-KR" altLang="en-US">
               <a:solidFill>
@@ -3796,7 +3796,7 @@
                 <a:latin typeface="맑은 고딕" charset="0"/>
                 <a:ea typeface="맑은 고딕" charset="0"/>
               </a:rPr>
-              <a:t>2022-06-07</a:t>
+              <a:t>2022-06-08</a:t>
             </a:fld>
             <a:endParaRPr lang="ko-KR" altLang="en-US">
               <a:solidFill>
@@ -4075,7 +4075,7 @@
                 <a:latin typeface="맑은 고딕" charset="0"/>
                 <a:ea typeface="맑은 고딕" charset="0"/>
               </a:rPr>
-              <a:t>2022-06-07</a:t>
+              <a:t>2022-06-08</a:t>
             </a:fld>
             <a:endParaRPr lang="ko-KR" altLang="en-US">
               <a:solidFill>
@@ -4392,7 +4392,7 @@
                 </a:solidFill>
               </a:rPr>
               <a:pPr/>
-              <a:t>2022-06-07</a:t>
+              <a:t>2022-06-08</a:t>
             </a:fld>
             <a:endParaRPr lang="ko-KR" altLang="en-US">
               <a:solidFill>
@@ -4689,7 +4689,7 @@
                 </a:solidFill>
               </a:rPr>
               <a:pPr/>
-              <a:t>2022-06-07</a:t>
+              <a:t>2022-06-08</a:t>
             </a:fld>
             <a:endParaRPr lang="ko-KR" altLang="en-US">
               <a:solidFill>
@@ -5133,7 +5133,7 @@
                 </a:solidFill>
               </a:rPr>
               <a:pPr/>
-              <a:t>2022-06-07</a:t>
+              <a:t>2022-06-08</a:t>
             </a:fld>
             <a:endParaRPr lang="ko-KR" altLang="en-US">
               <a:solidFill>
@@ -5306,7 +5306,7 @@
                 </a:solidFill>
               </a:rPr>
               <a:pPr/>
-              <a:t>2022-06-07</a:t>
+              <a:t>2022-06-08</a:t>
             </a:fld>
             <a:endParaRPr lang="ko-KR" altLang="en-US">
               <a:solidFill>
@@ -5451,7 +5451,7 @@
                 </a:solidFill>
               </a:rPr>
               <a:pPr/>
-              <a:t>2022-06-07</a:t>
+              <a:t>2022-06-08</a:t>
             </a:fld>
             <a:endParaRPr lang="ko-KR" altLang="en-US">
               <a:solidFill>
@@ -6820,7 +6820,7 @@
                 </a:solidFill>
               </a:rPr>
               <a:pPr/>
-              <a:t>2022-06-07</a:t>
+              <a:t>2022-06-08</a:t>
             </a:fld>
             <a:endParaRPr lang="ko-KR" altLang="en-US">
               <a:solidFill>
@@ -7140,7 +7140,7 @@
                 </a:solidFill>
               </a:rPr>
               <a:pPr/>
-              <a:t>2022-06-07</a:t>
+              <a:t>2022-06-08</a:t>
             </a:fld>
             <a:endParaRPr lang="ko-KR" altLang="en-US">
               <a:solidFill>
@@ -7413,7 +7413,7 @@
                 </a:solidFill>
               </a:rPr>
               <a:pPr/>
-              <a:t>2022-06-07</a:t>
+              <a:t>2022-06-08</a:t>
             </a:fld>
             <a:endParaRPr lang="ko-KR" altLang="en-US">
               <a:solidFill>
@@ -8014,7 +8014,7 @@
                 <a:latin typeface="맑은 고딕" charset="0"/>
                 <a:ea typeface="맑은 고딕" charset="0"/>
               </a:rPr>
-              <a:t>2022-06-07</a:t>
+              <a:t>2022-06-08</a:t>
             </a:fld>
             <a:endParaRPr lang="ko-KR" altLang="en-US">
               <a:solidFill>
@@ -8285,6 +8285,13 @@
   <p:clrMapOvr>
     <a:masterClrMapping/>
   </p:clrMapOvr>
+  <p:timing>
+    <p:tnLst>
+      <p:par>
+        <p:cTn id="1" dur="indefinite" restart="never" nodeType="tmRoot"/>
+      </p:par>
+    </p:tnLst>
+  </p:timing>
 </p:sld>
 </file>
 
@@ -8678,24 +8685,27 @@
             </a:r>
             <a:r>
               <a:rPr lang="ko-KR" altLang="en-US" dirty="0" smtClean="0"/>
-              <a:t>에 입력 후 이력테이블에 입력이 되도록 하시오</a:t>
+              <a:t>에</a:t>
+            </a:r>
+            <a:r>
+              <a:rPr lang="ko-KR" altLang="en-US" dirty="0" smtClean="0"/>
+              <a:t> </a:t>
+            </a:r>
+            <a:r>
+              <a:rPr lang="ko-KR" altLang="en-US" dirty="0" smtClean="0"/>
+              <a:t>입력 </a:t>
+            </a:r>
+            <a:r>
+              <a:rPr lang="ko-KR" altLang="en-US" dirty="0" smtClean="0"/>
+              <a:t>후 이력테이블에 입력이 되도록 하시오</a:t>
             </a:r>
             <a:r>
               <a:rPr lang="en-US" altLang="ko-KR" dirty="0" smtClean="0"/>
-              <a:t>.</a:t>
-            </a:r>
-          </a:p>
-          <a:p>
-            <a:pPr marL="0" indent="0">
-              <a:buNone/>
-            </a:pPr>
-            <a:r>
-              <a:rPr lang="en-US" altLang="ko-KR" dirty="0"/>
-              <a:t> </a:t>
+              <a:t>.           </a:t>
             </a:r>
             <a:r>
               <a:rPr lang="en-US" altLang="ko-KR" dirty="0" smtClean="0"/>
-              <a:t>         (type : ‘AFTER INSERT’)</a:t>
+              <a:t>(type : ‘AFTER INSERT’)</a:t>
             </a:r>
           </a:p>
         </p:txBody>
@@ -8710,6 +8720,13 @@
   <p:clrMapOvr>
     <a:masterClrMapping/>
   </p:clrMapOvr>
+  <p:timing>
+    <p:tnLst>
+      <p:par>
+        <p:cTn id="1" dur="indefinite" restart="never" nodeType="tmRoot"/>
+      </p:par>
+    </p:tnLst>
+  </p:timing>
 </p:sld>
 </file>
 
@@ -9155,6 +9172,13 @@
   <p:clrMapOvr>
     <a:masterClrMapping/>
   </p:clrMapOvr>
+  <p:timing>
+    <p:tnLst>
+      <p:par>
+        <p:cTn id="1" dur="indefinite" restart="never" nodeType="tmRoot"/>
+      </p:par>
+    </p:tnLst>
+  </p:timing>
 </p:sld>
 </file>
 
@@ -9849,6 +9873,13 @@
   <p:clrMapOvr>
     <a:masterClrMapping/>
   </p:clrMapOvr>
+  <p:timing>
+    <p:tnLst>
+      <p:par>
+        <p:cTn id="1" dur="indefinite" restart="never" nodeType="tmRoot"/>
+      </p:par>
+    </p:tnLst>
+  </p:timing>
 </p:sld>
 </file>
 
@@ -10889,7 +10920,6 @@
               <a:rPr lang="en-US" altLang="ko-KR" dirty="0" smtClean="0"/>
               <a:t>.</a:t>
             </a:r>
-            <a:endParaRPr lang="en-US" altLang="ko-KR" dirty="0" smtClean="0"/>
           </a:p>
         </p:txBody>
       </p:sp>
@@ -12579,6 +12609,13 @@
   <p:clrMapOvr>
     <a:masterClrMapping/>
   </p:clrMapOvr>
+  <p:timing>
+    <p:tnLst>
+      <p:par>
+        <p:cTn id="1" dur="indefinite" restart="never" nodeType="tmRoot"/>
+      </p:par>
+    </p:tnLst>
+  </p:timing>
 </p:sld>
 </file>
 
@@ -12900,7 +12937,6 @@
               <a:rPr lang="en-US" altLang="ko-KR" dirty="0" smtClean="0"/>
               <a:t>)</a:t>
             </a:r>
-            <a:endParaRPr lang="en-US" altLang="ko-KR" dirty="0" smtClean="0"/>
           </a:p>
           <a:p>
             <a:pPr marL="0" indent="0">
@@ -13395,6 +13431,13 @@
   <p:clrMapOvr>
     <a:masterClrMapping/>
   </p:clrMapOvr>
+  <p:timing>
+    <p:tnLst>
+      <p:par>
+        <p:cTn id="1" dur="indefinite" restart="never" nodeType="tmRoot"/>
+      </p:par>
+    </p:tnLst>
+  </p:timing>
 </p:sld>
 </file>
 
@@ -13779,6 +13822,13 @@
   <p:clrMapOvr>
     <a:masterClrMapping/>
   </p:clrMapOvr>
+  <p:timing>
+    <p:tnLst>
+      <p:par>
+        <p:cTn id="1" dur="indefinite" restart="never" nodeType="tmRoot"/>
+      </p:par>
+    </p:tnLst>
+  </p:timing>
 </p:sld>
 </file>
 
@@ -14318,6 +14368,13 @@
   <p:clrMapOvr>
     <a:masterClrMapping/>
   </p:clrMapOvr>
+  <p:timing>
+    <p:tnLst>
+      <p:par>
+        <p:cTn id="1" dur="indefinite" restart="never" nodeType="tmRoot"/>
+      </p:par>
+    </p:tnLst>
+  </p:timing>
 </p:sld>
 </file>
 
@@ -14617,6 +14674,13 @@
   <p:clrMapOvr>
     <a:masterClrMapping/>
   </p:clrMapOvr>
+  <p:timing>
+    <p:tnLst>
+      <p:par>
+        <p:cTn id="1" dur="indefinite" restart="never" nodeType="tmRoot"/>
+      </p:par>
+    </p:tnLst>
+  </p:timing>
 </p:sld>
 </file>
 
@@ -14961,6 +15025,13 @@
   <p:clrMapOvr>
     <a:masterClrMapping/>
   </p:clrMapOvr>
+  <p:timing>
+    <p:tnLst>
+      <p:par>
+        <p:cTn id="1" dur="indefinite" restart="never" nodeType="tmRoot"/>
+      </p:par>
+    </p:tnLst>
+  </p:timing>
 </p:sld>
 </file>
 
@@ -15352,6 +15423,13 @@
   <p:clrMapOvr>
     <a:masterClrMapping/>
   </p:clrMapOvr>
+  <p:timing>
+    <p:tnLst>
+      <p:par>
+        <p:cTn id="1" dur="indefinite" restart="never" nodeType="tmRoot"/>
+      </p:par>
+    </p:tnLst>
+  </p:timing>
 </p:sld>
 </file>
 

--- a/database/9강 MySQL Trigger.pptx
+++ b/database/9강 MySQL Trigger.pptx
@@ -11,21 +11,22 @@
     <p:sldId id="408" r:id="rId5"/>
     <p:sldId id="406" r:id="rId6"/>
     <p:sldId id="411" r:id="rId7"/>
-    <p:sldId id="412" r:id="rId8"/>
-    <p:sldId id="409" r:id="rId9"/>
-    <p:sldId id="413" r:id="rId10"/>
-    <p:sldId id="410" r:id="rId11"/>
-    <p:sldId id="414" r:id="rId12"/>
-    <p:sldId id="415" r:id="rId13"/>
-    <p:sldId id="416" r:id="rId14"/>
-    <p:sldId id="417" r:id="rId15"/>
-    <p:sldId id="418" r:id="rId16"/>
-    <p:sldId id="419" r:id="rId17"/>
-    <p:sldId id="420" r:id="rId18"/>
-    <p:sldId id="423" r:id="rId19"/>
-    <p:sldId id="421" r:id="rId20"/>
-    <p:sldId id="422" r:id="rId21"/>
-    <p:sldId id="424" r:id="rId22"/>
+    <p:sldId id="425" r:id="rId8"/>
+    <p:sldId id="412" r:id="rId9"/>
+    <p:sldId id="409" r:id="rId10"/>
+    <p:sldId id="413" r:id="rId11"/>
+    <p:sldId id="410" r:id="rId12"/>
+    <p:sldId id="414" r:id="rId13"/>
+    <p:sldId id="415" r:id="rId14"/>
+    <p:sldId id="416" r:id="rId15"/>
+    <p:sldId id="417" r:id="rId16"/>
+    <p:sldId id="418" r:id="rId17"/>
+    <p:sldId id="419" r:id="rId18"/>
+    <p:sldId id="420" r:id="rId19"/>
+    <p:sldId id="423" r:id="rId20"/>
+    <p:sldId id="421" r:id="rId21"/>
+    <p:sldId id="422" r:id="rId22"/>
+    <p:sldId id="424" r:id="rId23"/>
   </p:sldIdLst>
   <p:sldSz cx="12192000" cy="6858000"/>
   <p:notesSz cx="6858000" cy="9144000"/>
@@ -138,6 +139,7 @@
             <p14:sldId id="408"/>
             <p14:sldId id="406"/>
             <p14:sldId id="411"/>
+            <p14:sldId id="425"/>
             <p14:sldId id="412"/>
             <p14:sldId id="409"/>
             <p14:sldId id="413"/>
@@ -329,7 +331,7 @@
                 </a:solidFill>
               </a:rPr>
               <a:pPr/>
-              <a:t>2022-06-08</a:t>
+              <a:t>2022-06-09</a:t>
             </a:fld>
             <a:endParaRPr lang="ko-KR" altLang="en-US">
               <a:solidFill>
@@ -559,7 +561,7 @@
                 </a:solidFill>
               </a:rPr>
               <a:pPr/>
-              <a:t>2022-06-08</a:t>
+              <a:t>2022-06-09</a:t>
             </a:fld>
             <a:endParaRPr lang="ko-KR" altLang="en-US">
               <a:solidFill>
@@ -799,7 +801,7 @@
                 </a:solidFill>
               </a:rPr>
               <a:pPr/>
-              <a:t>2022-06-08</a:t>
+              <a:t>2022-06-09</a:t>
             </a:fld>
             <a:endParaRPr lang="ko-KR" altLang="en-US">
               <a:solidFill>
@@ -1031,7 +1033,7 @@
                 <a:latin typeface="맑은 고딕" charset="0"/>
                 <a:ea typeface="맑은 고딕" charset="0"/>
               </a:rPr>
-              <a:t>2022-06-08</a:t>
+              <a:t>2022-06-09</a:t>
             </a:fld>
             <a:endParaRPr lang="ko-KR" altLang="en-US">
               <a:solidFill>
@@ -1310,7 +1312,7 @@
                 <a:latin typeface="맑은 고딕" charset="0"/>
                 <a:ea typeface="맑은 고딕" charset="0"/>
               </a:rPr>
-              <a:t>2022-06-08</a:t>
+              <a:t>2022-06-09</a:t>
             </a:fld>
             <a:endParaRPr lang="ko-KR" altLang="en-US">
               <a:solidFill>
@@ -1552,7 +1554,7 @@
                 <a:latin typeface="맑은 고딕" charset="0"/>
                 <a:ea typeface="맑은 고딕" charset="0"/>
               </a:rPr>
-              <a:t>2022-06-08</a:t>
+              <a:t>2022-06-09</a:t>
             </a:fld>
             <a:endParaRPr lang="ko-KR" altLang="en-US">
               <a:solidFill>
@@ -1907,7 +1909,7 @@
                 <a:latin typeface="맑은 고딕" charset="0"/>
                 <a:ea typeface="맑은 고딕" charset="0"/>
               </a:rPr>
-              <a:t>2022-06-08</a:t>
+              <a:t>2022-06-09</a:t>
             </a:fld>
             <a:endParaRPr lang="ko-KR" altLang="en-US">
               <a:solidFill>
@@ -2340,7 +2342,7 @@
                 <a:latin typeface="맑은 고딕" charset="0"/>
                 <a:ea typeface="맑은 고딕" charset="0"/>
               </a:rPr>
-              <a:t>2022-06-08</a:t>
+              <a:t>2022-06-09</a:t>
             </a:fld>
             <a:endParaRPr lang="ko-KR" altLang="en-US">
               <a:solidFill>
@@ -2543,7 +2545,7 @@
                 <a:latin typeface="맑은 고딕" charset="0"/>
                 <a:ea typeface="맑은 고딕" charset="0"/>
               </a:rPr>
-              <a:t>2022-06-08</a:t>
+              <a:t>2022-06-09</a:t>
             </a:fld>
             <a:endParaRPr lang="ko-KR" altLang="en-US">
               <a:solidFill>
@@ -2707,7 +2709,7 @@
                 <a:latin typeface="맑은 고딕" charset="0"/>
                 <a:ea typeface="맑은 고딕" charset="0"/>
               </a:rPr>
-              <a:t>2022-06-08</a:t>
+              <a:t>2022-06-09</a:t>
             </a:fld>
             <a:endParaRPr lang="ko-KR" altLang="en-US">
               <a:solidFill>
@@ -3025,7 +3027,7 @@
                 <a:latin typeface="맑은 고딕" charset="0"/>
                 <a:ea typeface="맑은 고딕" charset="0"/>
               </a:rPr>
-              <a:t>2022-06-08</a:t>
+              <a:t>2022-06-09</a:t>
             </a:fld>
             <a:endParaRPr lang="ko-KR" altLang="en-US">
               <a:solidFill>
@@ -3265,7 +3267,7 @@
                 </a:solidFill>
               </a:rPr>
               <a:pPr/>
-              <a:t>2022-06-08</a:t>
+              <a:t>2022-06-09</a:t>
             </a:fld>
             <a:endParaRPr lang="ko-KR" altLang="en-US">
               <a:solidFill>
@@ -3517,7 +3519,7 @@
                 <a:latin typeface="맑은 고딕" charset="0"/>
                 <a:ea typeface="맑은 고딕" charset="0"/>
               </a:rPr>
-              <a:t>2022-06-08</a:t>
+              <a:t>2022-06-09</a:t>
             </a:fld>
             <a:endParaRPr lang="ko-KR" altLang="en-US">
               <a:solidFill>
@@ -3796,7 +3798,7 @@
                 <a:latin typeface="맑은 고딕" charset="0"/>
                 <a:ea typeface="맑은 고딕" charset="0"/>
               </a:rPr>
-              <a:t>2022-06-08</a:t>
+              <a:t>2022-06-09</a:t>
             </a:fld>
             <a:endParaRPr lang="ko-KR" altLang="en-US">
               <a:solidFill>
@@ -4075,7 +4077,7 @@
                 <a:latin typeface="맑은 고딕" charset="0"/>
                 <a:ea typeface="맑은 고딕" charset="0"/>
               </a:rPr>
-              <a:t>2022-06-08</a:t>
+              <a:t>2022-06-09</a:t>
             </a:fld>
             <a:endParaRPr lang="ko-KR" altLang="en-US">
               <a:solidFill>
@@ -4392,7 +4394,7 @@
                 </a:solidFill>
               </a:rPr>
               <a:pPr/>
-              <a:t>2022-06-08</a:t>
+              <a:t>2022-06-09</a:t>
             </a:fld>
             <a:endParaRPr lang="ko-KR" altLang="en-US">
               <a:solidFill>
@@ -4689,7 +4691,7 @@
                 </a:solidFill>
               </a:rPr>
               <a:pPr/>
-              <a:t>2022-06-08</a:t>
+              <a:t>2022-06-09</a:t>
             </a:fld>
             <a:endParaRPr lang="ko-KR" altLang="en-US">
               <a:solidFill>
@@ -5133,7 +5135,7 @@
                 </a:solidFill>
               </a:rPr>
               <a:pPr/>
-              <a:t>2022-06-08</a:t>
+              <a:t>2022-06-09</a:t>
             </a:fld>
             <a:endParaRPr lang="ko-KR" altLang="en-US">
               <a:solidFill>
@@ -5306,7 +5308,7 @@
                 </a:solidFill>
               </a:rPr>
               <a:pPr/>
-              <a:t>2022-06-08</a:t>
+              <a:t>2022-06-09</a:t>
             </a:fld>
             <a:endParaRPr lang="ko-KR" altLang="en-US">
               <a:solidFill>
@@ -5451,7 +5453,7 @@
                 </a:solidFill>
               </a:rPr>
               <a:pPr/>
-              <a:t>2022-06-08</a:t>
+              <a:t>2022-06-09</a:t>
             </a:fld>
             <a:endParaRPr lang="ko-KR" altLang="en-US">
               <a:solidFill>
@@ -6820,7 +6822,7 @@
                 </a:solidFill>
               </a:rPr>
               <a:pPr/>
-              <a:t>2022-06-08</a:t>
+              <a:t>2022-06-09</a:t>
             </a:fld>
             <a:endParaRPr lang="ko-KR" altLang="en-US">
               <a:solidFill>
@@ -7140,7 +7142,7 @@
                 </a:solidFill>
               </a:rPr>
               <a:pPr/>
-              <a:t>2022-06-08</a:t>
+              <a:t>2022-06-09</a:t>
             </a:fld>
             <a:endParaRPr lang="ko-KR" altLang="en-US">
               <a:solidFill>
@@ -7413,7 +7415,7 @@
                 </a:solidFill>
               </a:rPr>
               <a:pPr/>
-              <a:t>2022-06-08</a:t>
+              <a:t>2022-06-09</a:t>
             </a:fld>
             <a:endParaRPr lang="ko-KR" altLang="en-US">
               <a:solidFill>
@@ -8014,7 +8016,7 @@
                 <a:latin typeface="맑은 고딕" charset="0"/>
                 <a:ea typeface="맑은 고딕" charset="0"/>
               </a:rPr>
-              <a:t>2022-06-08</a:t>
+              <a:t>2022-06-09</a:t>
             </a:fld>
             <a:endParaRPr lang="ko-KR" altLang="en-US">
               <a:solidFill>
@@ -8314,7 +8316,7 @@
       </p:grpSpPr>
       <p:sp>
         <p:nvSpPr>
-          <p:cNvPr id="2" name="도형 17"/>
+          <p:cNvPr id="44" name="도형 17"/>
           <p:cNvSpPr>
             <a:spLocks/>
           </p:cNvSpPr>
@@ -8364,7 +8366,7 @@
       </p:sp>
       <p:sp>
         <p:nvSpPr>
-          <p:cNvPr id="3" name="내용 개체 틀 2"/>
+          <p:cNvPr id="7" name="내용 개체 틀 2"/>
           <p:cNvSpPr txBox="1">
             <a:spLocks/>
           </p:cNvSpPr>
@@ -8551,28 +8553,21 @@
             </a:pPr>
             <a:r>
               <a:rPr lang="ko-KR" altLang="en-US" dirty="0" smtClean="0"/>
-              <a:t>실습 </a:t>
+              <a:t>트리거 삭제 </a:t>
             </a:r>
             <a:r>
               <a:rPr lang="en-US" altLang="ko-KR" dirty="0" smtClean="0"/>
-              <a:t>1. </a:t>
+              <a:t>: </a:t>
+            </a:r>
+            <a:r>
+              <a:rPr lang="ko-KR" altLang="en-US" dirty="0"/>
+              <a:t>생성한 트리거를 </a:t>
             </a:r>
             <a:r>
               <a:rPr lang="ko-KR" altLang="en-US" dirty="0" smtClean="0"/>
-              <a:t>상품권 발급 이력 테이블을 만들고 </a:t>
-            </a:r>
-            <a:r>
-              <a:rPr lang="ko-KR" altLang="en-US" dirty="0" err="1" smtClean="0"/>
-              <a:t>상품권발급</a:t>
-            </a:r>
-            <a:r>
-              <a:rPr lang="ko-KR" altLang="en-US" dirty="0" smtClean="0"/>
-              <a:t> 테이블에 입력이 되기 전 이력테이블에 입력이 되도록 하시오</a:t>
-            </a:r>
-            <a:r>
-              <a:rPr lang="en-US" altLang="ko-KR" dirty="0" smtClean="0"/>
-              <a:t>.(type : ‘BEFORE INSERT’)</a:t>
-            </a:r>
+              <a:t>삭제</a:t>
+            </a:r>
+            <a:endParaRPr lang="en-US" altLang="ko-KR" dirty="0" smtClean="0"/>
           </a:p>
           <a:p>
             <a:pPr marL="0" indent="0">
@@ -8584,17 +8579,16 @@
             </a:r>
             <a:r>
               <a:rPr lang="en-US" altLang="ko-KR" dirty="0" smtClean="0"/>
-              <a:t>* </a:t>
-            </a:r>
-            <a:r>
-              <a:rPr lang="ko-KR" altLang="en-US" dirty="0" smtClean="0"/>
-              <a:t>상품권 발급 이력 테이블 </a:t>
-            </a:r>
-            <a:r>
-              <a:rPr lang="en-US" altLang="ko-KR" dirty="0" err="1" smtClean="0"/>
-              <a:t>voucher_history</a:t>
-            </a:r>
-            <a:endParaRPr lang="en-US" altLang="ko-KR" dirty="0" smtClean="0"/>
+              <a:t>- DROP TRIGGER </a:t>
+            </a:r>
+            <a:r>
+              <a:rPr lang="ko-KR" altLang="en-US" dirty="0" err="1" smtClean="0"/>
+              <a:t>트리거명</a:t>
+            </a:r>
+            <a:r>
+              <a:rPr lang="en-US" altLang="ko-KR" dirty="0" smtClean="0"/>
+              <a:t>;</a:t>
+            </a:r>
           </a:p>
           <a:p>
             <a:pPr marL="0" indent="0">
@@ -8606,114 +8600,47 @@
             </a:r>
             <a:r>
               <a:rPr lang="en-US" altLang="ko-KR" dirty="0" smtClean="0"/>
-              <a:t>* </a:t>
+              <a:t>※ </a:t>
             </a:r>
             <a:r>
               <a:rPr lang="ko-KR" altLang="en-US" dirty="0" smtClean="0"/>
-              <a:t>상품권 발급 이력 테이블 컬럼 순번</a:t>
+              <a:t>삭제 확인 메시지 없이 바로 삭제 됨</a:t>
             </a:r>
             <a:r>
               <a:rPr lang="en-US" altLang="ko-KR" dirty="0" smtClean="0"/>
-              <a:t>(</a:t>
-            </a:r>
-            <a:r>
-              <a:rPr lang="en-US" altLang="ko-KR" dirty="0" err="1" smtClean="0"/>
-              <a:t>idx</a:t>
-            </a:r>
-            <a:r>
-              <a:rPr lang="en-US" altLang="ko-KR" dirty="0" smtClean="0"/>
-              <a:t> </a:t>
-            </a:r>
-            <a:r>
-              <a:rPr lang="en-US" altLang="ko-KR" dirty="0" err="1" smtClean="0"/>
-              <a:t>int</a:t>
-            </a:r>
-            <a:r>
-              <a:rPr lang="en-US" altLang="ko-KR" dirty="0" smtClean="0"/>
-              <a:t>), </a:t>
-            </a:r>
-            <a:r>
-              <a:rPr lang="ko-KR" altLang="en-US" dirty="0" smtClean="0"/>
-              <a:t>유형</a:t>
-            </a:r>
-            <a:r>
-              <a:rPr lang="en-US" altLang="ko-KR" dirty="0" smtClean="0"/>
-              <a:t>(type varchar(20)), </a:t>
-            </a:r>
-            <a:r>
-              <a:rPr lang="ko-KR" altLang="en-US" dirty="0" smtClean="0"/>
-              <a:t>일자</a:t>
-            </a:r>
-            <a:r>
-              <a:rPr lang="en-US" altLang="ko-KR" dirty="0" smtClean="0"/>
-              <a:t>(</a:t>
-            </a:r>
-            <a:r>
-              <a:rPr lang="en-US" altLang="ko-KR" dirty="0" err="1" smtClean="0"/>
-              <a:t>idate</a:t>
-            </a:r>
-            <a:r>
-              <a:rPr lang="en-US" altLang="ko-KR" dirty="0" smtClean="0"/>
-              <a:t> timestamp)</a:t>
-            </a:r>
-          </a:p>
-          <a:p>
-            <a:pPr marL="0" indent="0">
-              <a:buNone/>
-            </a:pPr>
-            <a:endParaRPr lang="en-US" altLang="ko-KR" dirty="0"/>
-          </a:p>
-          <a:p>
-            <a:pPr marL="0" indent="0">
-              <a:buNone/>
-            </a:pPr>
-            <a:r>
-              <a:rPr lang="ko-KR" altLang="en-US" dirty="0" smtClean="0"/>
-              <a:t>실습 </a:t>
-            </a:r>
-            <a:r>
-              <a:rPr lang="en-US" altLang="ko-KR" dirty="0" smtClean="0"/>
-              <a:t>2. ‘</a:t>
-            </a:r>
-            <a:r>
-              <a:rPr lang="ko-KR" altLang="en-US" dirty="0" smtClean="0"/>
-              <a:t>실습 </a:t>
-            </a:r>
-            <a:r>
-              <a:rPr lang="en-US" altLang="ko-KR" dirty="0" smtClean="0"/>
-              <a:t>1‘</a:t>
-            </a:r>
-            <a:r>
-              <a:rPr lang="ko-KR" altLang="en-US" dirty="0" smtClean="0"/>
-              <a:t>에</a:t>
-            </a:r>
-            <a:r>
-              <a:rPr lang="ko-KR" altLang="en-US" dirty="0" smtClean="0"/>
-              <a:t> </a:t>
-            </a:r>
-            <a:r>
-              <a:rPr lang="ko-KR" altLang="en-US" dirty="0" smtClean="0"/>
-              <a:t>입력 </a:t>
-            </a:r>
-            <a:r>
-              <a:rPr lang="ko-KR" altLang="en-US" dirty="0" smtClean="0"/>
-              <a:t>후 이력테이블에 입력이 되도록 하시오</a:t>
-            </a:r>
-            <a:r>
-              <a:rPr lang="en-US" altLang="ko-KR" dirty="0" smtClean="0"/>
-              <a:t>.           </a:t>
-            </a:r>
-            <a:r>
-              <a:rPr lang="en-US" altLang="ko-KR" dirty="0" smtClean="0"/>
-              <a:t>(type : ‘AFTER INSERT’)</a:t>
+              <a:t>.</a:t>
             </a:r>
           </a:p>
         </p:txBody>
       </p:sp>
+      <p:pic>
+        <p:nvPicPr>
+          <p:cNvPr id="2" name="그림 1"/>
+          <p:cNvPicPr>
+            <a:picLocks noChangeAspect="1"/>
+          </p:cNvPicPr>
+          <p:nvPr/>
+        </p:nvPicPr>
+        <p:blipFill>
+          <a:blip r:embed="rId2"/>
+          <a:stretch>
+            <a:fillRect/>
+          </a:stretch>
+        </p:blipFill>
+        <p:spPr>
+          <a:xfrm>
+            <a:off x="4687376" y="2599354"/>
+            <a:ext cx="6348054" cy="4040974"/>
+          </a:xfrm>
+          <a:prstGeom prst="rect">
+            <a:avLst/>
+          </a:prstGeom>
+        </p:spPr>
+      </p:pic>
     </p:spTree>
     <p:extLst>
       <p:ext uri="{BB962C8B-B14F-4D97-AF65-F5344CB8AC3E}">
-        <p14:creationId xmlns:p14="http://schemas.microsoft.com/office/powerpoint/2010/main" val="1702170792"/>
+        <p14:creationId xmlns:p14="http://schemas.microsoft.com/office/powerpoint/2010/main" val="4242479325"/>
       </p:ext>
     </p:extLst>
   </p:cSld>
@@ -8990,182 +8917,149 @@
             </a:r>
             <a:r>
               <a:rPr lang="en-US" altLang="ko-KR" dirty="0" smtClean="0"/>
-              <a:t>3. ‘</a:t>
-            </a:r>
+              <a:t>1. </a:t>
+            </a:r>
+            <a:r>
+              <a:rPr lang="ko-KR" altLang="en-US" dirty="0" smtClean="0"/>
+              <a:t>상품권 발급 이력 테이블을 만들고 </a:t>
+            </a:r>
+            <a:r>
+              <a:rPr lang="ko-KR" altLang="en-US" dirty="0" err="1" smtClean="0"/>
+              <a:t>상품권발급</a:t>
+            </a:r>
+            <a:r>
+              <a:rPr lang="ko-KR" altLang="en-US" dirty="0" smtClean="0"/>
+              <a:t> 테이블에 입력이 되기 전 이력테이블에 입력이 되도록 하시오</a:t>
+            </a:r>
+            <a:r>
+              <a:rPr lang="en-US" altLang="ko-KR" dirty="0" smtClean="0"/>
+              <a:t>.(type : ‘BEFORE INSERT’)</a:t>
+            </a:r>
+          </a:p>
+          <a:p>
+            <a:pPr marL="0" indent="0">
+              <a:buNone/>
+            </a:pPr>
+            <a:r>
+              <a:rPr lang="en-US" altLang="ko-KR" dirty="0"/>
+              <a:t> </a:t>
+            </a:r>
+            <a:r>
+              <a:rPr lang="en-US" altLang="ko-KR" dirty="0" smtClean="0"/>
+              <a:t>* </a:t>
+            </a:r>
+            <a:r>
+              <a:rPr lang="ko-KR" altLang="en-US" dirty="0" smtClean="0"/>
+              <a:t>상품권 발급 이력 테이블 </a:t>
+            </a:r>
+            <a:r>
+              <a:rPr lang="en-US" altLang="ko-KR" dirty="0" err="1" smtClean="0"/>
+              <a:t>voucher_history</a:t>
+            </a:r>
+            <a:endParaRPr lang="en-US" altLang="ko-KR" dirty="0" smtClean="0"/>
+          </a:p>
+          <a:p>
+            <a:pPr marL="0" indent="0">
+              <a:buNone/>
+            </a:pPr>
+            <a:r>
+              <a:rPr lang="en-US" altLang="ko-KR" dirty="0"/>
+              <a:t> </a:t>
+            </a:r>
+            <a:r>
+              <a:rPr lang="en-US" altLang="ko-KR" dirty="0" smtClean="0"/>
+              <a:t>* </a:t>
+            </a:r>
+            <a:r>
+              <a:rPr lang="ko-KR" altLang="en-US" dirty="0" smtClean="0"/>
+              <a:t>상품권 발급 이력 테이블 컬럼 순번</a:t>
+            </a:r>
+            <a:r>
+              <a:rPr lang="en-US" altLang="ko-KR" dirty="0" smtClean="0"/>
+              <a:t>(</a:t>
+            </a:r>
+            <a:r>
+              <a:rPr lang="en-US" altLang="ko-KR" dirty="0" err="1" smtClean="0"/>
+              <a:t>idx</a:t>
+            </a:r>
+            <a:r>
+              <a:rPr lang="en-US" altLang="ko-KR" dirty="0" smtClean="0"/>
+              <a:t> </a:t>
+            </a:r>
+            <a:r>
+              <a:rPr lang="en-US" altLang="ko-KR" dirty="0" err="1" smtClean="0"/>
+              <a:t>int</a:t>
+            </a:r>
+            <a:r>
+              <a:rPr lang="en-US" altLang="ko-KR" dirty="0" smtClean="0"/>
+              <a:t>), </a:t>
+            </a:r>
+            <a:r>
+              <a:rPr lang="ko-KR" altLang="en-US" dirty="0" smtClean="0"/>
+              <a:t>유형</a:t>
+            </a:r>
+            <a:r>
+              <a:rPr lang="en-US" altLang="ko-KR" dirty="0" smtClean="0"/>
+              <a:t>(type varchar(20)), </a:t>
+            </a:r>
+            <a:r>
+              <a:rPr lang="ko-KR" altLang="en-US" dirty="0" smtClean="0"/>
+              <a:t>일자</a:t>
+            </a:r>
+            <a:r>
+              <a:rPr lang="en-US" altLang="ko-KR" dirty="0" smtClean="0"/>
+              <a:t>(</a:t>
+            </a:r>
+            <a:r>
+              <a:rPr lang="en-US" altLang="ko-KR" dirty="0" err="1" smtClean="0"/>
+              <a:t>idate</a:t>
+            </a:r>
+            <a:r>
+              <a:rPr lang="en-US" altLang="ko-KR" dirty="0" smtClean="0"/>
+              <a:t> timestamp)</a:t>
+            </a:r>
+          </a:p>
+          <a:p>
+            <a:pPr marL="0" indent="0">
+              <a:buNone/>
+            </a:pPr>
+            <a:endParaRPr lang="en-US" altLang="ko-KR" dirty="0"/>
+          </a:p>
+          <a:p>
+            <a:pPr marL="0" indent="0">
+              <a:buNone/>
+            </a:pPr>
             <a:r>
               <a:rPr lang="ko-KR" altLang="en-US" dirty="0" smtClean="0"/>
               <a:t>실습 </a:t>
             </a:r>
             <a:r>
               <a:rPr lang="en-US" altLang="ko-KR" dirty="0" smtClean="0"/>
+              <a:t>2. ‘</a:t>
+            </a:r>
+            <a:r>
+              <a:rPr lang="ko-KR" altLang="en-US" dirty="0" smtClean="0"/>
+              <a:t>실습 </a:t>
+            </a:r>
+            <a:r>
+              <a:rPr lang="en-US" altLang="ko-KR" dirty="0" smtClean="0"/>
               <a:t>1‘</a:t>
             </a:r>
             <a:r>
               <a:rPr lang="ko-KR" altLang="en-US" dirty="0" smtClean="0"/>
-              <a:t>에 수정 전</a:t>
+              <a:t>에 입력 후 이력테이블에 입력이 되도록 하시오</a:t>
             </a:r>
             <a:r>
               <a:rPr lang="en-US" altLang="ko-KR" dirty="0" smtClean="0"/>
-              <a:t>,</a:t>
-            </a:r>
-            <a:r>
-              <a:rPr lang="ko-KR" altLang="en-US" dirty="0" smtClean="0"/>
-              <a:t> 후 이력테이블에 입력이 되도록 하시오</a:t>
-            </a:r>
-            <a:r>
-              <a:rPr lang="en-US" altLang="ko-KR" dirty="0" smtClean="0"/>
-              <a:t>.</a:t>
-            </a:r>
-          </a:p>
-          <a:p>
-            <a:pPr marL="0" indent="0">
-              <a:buNone/>
-            </a:pPr>
-            <a:r>
-              <a:rPr lang="en-US" altLang="ko-KR" dirty="0"/>
-              <a:t> </a:t>
-            </a:r>
-            <a:r>
-              <a:rPr lang="en-US" altLang="ko-KR" dirty="0" smtClean="0"/>
-              <a:t>         (type : </a:t>
-            </a:r>
-            <a:r>
-              <a:rPr lang="en-US" altLang="ko-KR" dirty="0"/>
-              <a:t>‘BEFORE UPDATE</a:t>
-            </a:r>
-            <a:r>
-              <a:rPr lang="en-US" altLang="ko-KR" dirty="0" smtClean="0"/>
-              <a:t>’, </a:t>
-            </a:r>
-            <a:r>
-              <a:rPr lang="en-US" altLang="ko-KR" dirty="0"/>
-              <a:t>‘BEFORE UPDATE</a:t>
-            </a:r>
-            <a:r>
-              <a:rPr lang="en-US" altLang="ko-KR" dirty="0" smtClean="0"/>
-              <a:t>’)</a:t>
-            </a:r>
-          </a:p>
-          <a:p>
-            <a:pPr marL="0" indent="0">
-              <a:buNone/>
-            </a:pPr>
-            <a:endParaRPr lang="en-US" altLang="ko-KR" dirty="0" smtClean="0"/>
-          </a:p>
-          <a:p>
-            <a:pPr marL="0" indent="0">
-              <a:buNone/>
-            </a:pPr>
-            <a:r>
-              <a:rPr lang="ko-KR" altLang="en-US" dirty="0"/>
-              <a:t>실습 </a:t>
-            </a:r>
-            <a:r>
-              <a:rPr lang="en-US" altLang="ko-KR" dirty="0"/>
-              <a:t>4</a:t>
-            </a:r>
-            <a:r>
-              <a:rPr lang="en-US" altLang="ko-KR" dirty="0" smtClean="0"/>
-              <a:t>. </a:t>
-            </a:r>
-            <a:r>
-              <a:rPr lang="en-US" altLang="ko-KR" dirty="0"/>
-              <a:t>‘</a:t>
-            </a:r>
-            <a:r>
-              <a:rPr lang="ko-KR" altLang="en-US" dirty="0"/>
-              <a:t>실습 </a:t>
-            </a:r>
-            <a:r>
-              <a:rPr lang="en-US" altLang="ko-KR" dirty="0"/>
-              <a:t>1‘</a:t>
-            </a:r>
-            <a:r>
-              <a:rPr lang="ko-KR" altLang="en-US" dirty="0"/>
-              <a:t>에 </a:t>
-            </a:r>
-            <a:r>
-              <a:rPr lang="ko-KR" altLang="en-US" dirty="0" smtClean="0"/>
-              <a:t>삭제 </a:t>
-            </a:r>
-            <a:r>
-              <a:rPr lang="ko-KR" altLang="en-US" dirty="0"/>
-              <a:t>전</a:t>
-            </a:r>
-            <a:r>
-              <a:rPr lang="en-US" altLang="ko-KR" dirty="0"/>
-              <a:t>,</a:t>
-            </a:r>
-            <a:r>
-              <a:rPr lang="ko-KR" altLang="en-US" dirty="0"/>
-              <a:t> 후 이력테이블에 입력이 되도록 하시오</a:t>
-            </a:r>
-            <a:r>
-              <a:rPr lang="en-US" altLang="ko-KR" dirty="0"/>
-              <a:t>.</a:t>
-            </a:r>
-          </a:p>
-          <a:p>
-            <a:pPr marL="0" indent="0">
-              <a:buNone/>
-            </a:pPr>
-            <a:r>
-              <a:rPr lang="en-US" altLang="ko-KR" dirty="0"/>
-              <a:t>          (type : ‘BEFORE </a:t>
-            </a:r>
-            <a:r>
-              <a:rPr lang="en-US" altLang="ko-KR" dirty="0" smtClean="0"/>
-              <a:t>DELETE’, </a:t>
-            </a:r>
-            <a:r>
-              <a:rPr lang="en-US" altLang="ko-KR" dirty="0"/>
-              <a:t>‘BEFORE </a:t>
-            </a:r>
-            <a:r>
-              <a:rPr lang="en-US" altLang="ko-KR" dirty="0" smtClean="0"/>
-              <a:t>DELETE’)</a:t>
-            </a:r>
-            <a:endParaRPr lang="en-US" altLang="ko-KR" dirty="0"/>
-          </a:p>
-          <a:p>
-            <a:pPr marL="0" indent="0">
-              <a:buNone/>
-            </a:pPr>
-            <a:endParaRPr lang="en-US" altLang="ko-KR" dirty="0" smtClean="0"/>
-          </a:p>
-          <a:p>
-            <a:pPr marL="0" indent="0">
-              <a:buNone/>
-            </a:pPr>
-            <a:r>
-              <a:rPr lang="ko-KR" altLang="en-US" dirty="0"/>
-              <a:t>실습 </a:t>
-            </a:r>
-            <a:r>
-              <a:rPr lang="en-US" altLang="ko-KR" dirty="0"/>
-              <a:t>5. customer</a:t>
-            </a:r>
-            <a:r>
-              <a:rPr lang="ko-KR" altLang="en-US" dirty="0"/>
-              <a:t> 백업 테이블을 만들고 고객정보가 삭제 될 때 백업 테이블에 입력 되도록 구성 하시오</a:t>
-            </a:r>
-            <a:r>
-              <a:rPr lang="en-US" altLang="ko-KR" dirty="0"/>
-              <a:t>.</a:t>
-            </a:r>
-          </a:p>
-          <a:p>
-            <a:pPr marL="0" indent="0">
-              <a:buNone/>
-            </a:pPr>
-            <a:endParaRPr lang="en-US" altLang="ko-KR" dirty="0"/>
+              <a:t>.           (type : ‘AFTER INSERT’)</a:t>
+            </a:r>
           </a:p>
         </p:txBody>
       </p:sp>
     </p:spTree>
     <p:extLst>
       <p:ext uri="{BB962C8B-B14F-4D97-AF65-F5344CB8AC3E}">
-        <p14:creationId xmlns:p14="http://schemas.microsoft.com/office/powerpoint/2010/main" val="1642349010"/>
+        <p14:creationId xmlns:p14="http://schemas.microsoft.com/office/powerpoint/2010/main" val="1702170792"/>
       </p:ext>
     </p:extLst>
   </p:cSld>
@@ -9442,11 +9336,27 @@
             </a:r>
             <a:r>
               <a:rPr lang="en-US" altLang="ko-KR" dirty="0" smtClean="0"/>
-              <a:t>6. customer </a:t>
+              <a:t>3. ‘</a:t>
             </a:r>
             <a:r>
               <a:rPr lang="ko-KR" altLang="en-US" dirty="0" smtClean="0"/>
-              <a:t>테이블에 생성된 트리거를 모두 삭제 하고 확인 하시오</a:t>
+              <a:t>실습 </a:t>
+            </a:r>
+            <a:r>
+              <a:rPr lang="en-US" altLang="ko-KR" dirty="0" smtClean="0"/>
+              <a:t>1‘</a:t>
+            </a:r>
+            <a:r>
+              <a:rPr lang="ko-KR" altLang="en-US" dirty="0" smtClean="0"/>
+              <a:t>에 수정 전</a:t>
+            </a:r>
+            <a:r>
+              <a:rPr lang="en-US" altLang="ko-KR" dirty="0" smtClean="0"/>
+              <a:t>,</a:t>
+            </a:r>
+            <a:r>
+              <a:rPr lang="ko-KR" altLang="en-US" dirty="0" smtClean="0"/>
+              <a:t> 후 이력테이블에 입력이 되도록 하시오</a:t>
             </a:r>
             <a:r>
               <a:rPr lang="en-US" altLang="ko-KR" dirty="0" smtClean="0"/>
@@ -9457,34 +9367,128 @@
             <a:pPr marL="0" indent="0">
               <a:buNone/>
             </a:pPr>
+            <a:r>
+              <a:rPr lang="en-US" altLang="ko-KR" dirty="0"/>
+              <a:t> </a:t>
+            </a:r>
+            <a:r>
+              <a:rPr lang="en-US" altLang="ko-KR" dirty="0" smtClean="0"/>
+              <a:t>         (type : </a:t>
+            </a:r>
+            <a:r>
+              <a:rPr lang="en-US" altLang="ko-KR" dirty="0"/>
+              <a:t>‘BEFORE UPDATE</a:t>
+            </a:r>
+            <a:r>
+              <a:rPr lang="en-US" altLang="ko-KR" dirty="0" smtClean="0"/>
+              <a:t>’, ‘AFTER </a:t>
+            </a:r>
+            <a:r>
+              <a:rPr lang="en-US" altLang="ko-KR" dirty="0"/>
+              <a:t>UPDATE</a:t>
+            </a:r>
+            <a:r>
+              <a:rPr lang="en-US" altLang="ko-KR" dirty="0" smtClean="0"/>
+              <a:t>’)</a:t>
+            </a:r>
+          </a:p>
+          <a:p>
+            <a:pPr marL="0" indent="0">
+              <a:buNone/>
+            </a:pPr>
+            <a:endParaRPr lang="en-US" altLang="ko-KR" dirty="0" smtClean="0"/>
+          </a:p>
+          <a:p>
+            <a:pPr marL="0" indent="0">
+              <a:buNone/>
+            </a:pPr>
+            <a:r>
+              <a:rPr lang="ko-KR" altLang="en-US" dirty="0"/>
+              <a:t>실습 </a:t>
+            </a:r>
+            <a:r>
+              <a:rPr lang="en-US" altLang="ko-KR" dirty="0"/>
+              <a:t>4</a:t>
+            </a:r>
+            <a:r>
+              <a:rPr lang="en-US" altLang="ko-KR" dirty="0" smtClean="0"/>
+              <a:t>. </a:t>
+            </a:r>
+            <a:r>
+              <a:rPr lang="en-US" altLang="ko-KR" dirty="0"/>
+              <a:t>‘</a:t>
+            </a:r>
+            <a:r>
+              <a:rPr lang="ko-KR" altLang="en-US" dirty="0"/>
+              <a:t>실습 </a:t>
+            </a:r>
+            <a:r>
+              <a:rPr lang="en-US" altLang="ko-KR" dirty="0"/>
+              <a:t>1‘</a:t>
+            </a:r>
+            <a:r>
+              <a:rPr lang="ko-KR" altLang="en-US" dirty="0"/>
+              <a:t>에 </a:t>
+            </a:r>
+            <a:r>
+              <a:rPr lang="ko-KR" altLang="en-US" dirty="0" smtClean="0"/>
+              <a:t>삭제 </a:t>
+            </a:r>
+            <a:r>
+              <a:rPr lang="ko-KR" altLang="en-US" dirty="0"/>
+              <a:t>전</a:t>
+            </a:r>
+            <a:r>
+              <a:rPr lang="en-US" altLang="ko-KR" dirty="0"/>
+              <a:t>,</a:t>
+            </a:r>
+            <a:r>
+              <a:rPr lang="ko-KR" altLang="en-US" dirty="0"/>
+              <a:t> 후 이력테이블에 입력이 되도록 하시오</a:t>
+            </a:r>
+            <a:r>
+              <a:rPr lang="en-US" altLang="ko-KR" dirty="0"/>
+              <a:t>.</a:t>
+            </a:r>
+          </a:p>
+          <a:p>
+            <a:pPr marL="0" indent="0">
+              <a:buNone/>
+            </a:pPr>
+            <a:r>
+              <a:rPr lang="en-US" altLang="ko-KR" dirty="0"/>
+              <a:t>          (type : ‘BEFORE </a:t>
+            </a:r>
+            <a:r>
+              <a:rPr lang="en-US" altLang="ko-KR" dirty="0" smtClean="0"/>
+              <a:t>DELETE’, ‘AFTER DELETE’)</a:t>
+            </a:r>
             <a:endParaRPr lang="en-US" altLang="ko-KR" dirty="0"/>
           </a:p>
           <a:p>
             <a:pPr marL="0" indent="0">
               <a:buNone/>
             </a:pPr>
-            <a:r>
-              <a:rPr lang="ko-KR" altLang="en-US" dirty="0" smtClean="0"/>
+            <a:endParaRPr lang="en-US" altLang="ko-KR" dirty="0" smtClean="0"/>
+          </a:p>
+          <a:p>
+            <a:pPr marL="0" indent="0">
+              <a:buNone/>
+            </a:pPr>
+            <a:r>
+              <a:rPr lang="ko-KR" altLang="en-US" dirty="0"/>
               <a:t>실습 </a:t>
             </a:r>
             <a:r>
-              <a:rPr lang="en-US" altLang="ko-KR" dirty="0" smtClean="0"/>
-              <a:t>7. customer </a:t>
-            </a:r>
-            <a:r>
-              <a:rPr lang="ko-KR" altLang="en-US" dirty="0" smtClean="0"/>
-              <a:t>테이블 데이터가 삭제 될 때 이름을 </a:t>
-            </a:r>
-            <a:r>
-              <a:rPr lang="en-US" altLang="ko-KR" dirty="0" smtClean="0"/>
-              <a:t>‘-’ </a:t>
-            </a:r>
-            <a:r>
-              <a:rPr lang="ko-KR" altLang="en-US" dirty="0" smtClean="0"/>
-              <a:t>로 대처하여 백업 되는 트리거를 작성 하시오</a:t>
-            </a:r>
-            <a:r>
-              <a:rPr lang="en-US" altLang="ko-KR" dirty="0" smtClean="0"/>
+              <a:rPr lang="en-US" altLang="ko-KR" dirty="0"/>
+              <a:t>5. customer</a:t>
+            </a:r>
+            <a:r>
+              <a:rPr lang="ko-KR" altLang="en-US" dirty="0"/>
+              <a:t> 백업 테이블을 만들고 고객정보가 삭제 될 때 백업 테이블에 입력 되도록 구성 하시오</a:t>
+            </a:r>
+            <a:r>
+              <a:rPr lang="en-US" altLang="ko-KR" dirty="0"/>
               <a:t>.</a:t>
             </a:r>
           </a:p>
@@ -9492,28 +9496,6 @@
             <a:pPr marL="0" indent="0">
               <a:buNone/>
             </a:pPr>
-            <a:endParaRPr lang="en-US" altLang="ko-KR" dirty="0"/>
-          </a:p>
-          <a:p>
-            <a:pPr marL="0" indent="0">
-              <a:buNone/>
-            </a:pPr>
-            <a:r>
-              <a:rPr lang="ko-KR" altLang="en-US" dirty="0" smtClean="0"/>
-              <a:t>실습 </a:t>
-            </a:r>
-            <a:r>
-              <a:rPr lang="en-US" altLang="ko-KR" dirty="0" smtClean="0"/>
-              <a:t>8. customer </a:t>
-            </a:r>
-            <a:r>
-              <a:rPr lang="ko-KR" altLang="en-US" dirty="0" smtClean="0"/>
-              <a:t>테이블 데이터가 수정 될 때 이름은 변경 전 내용으로 하고 나머지 데이터는 새로 입력 되는 데이터로 백업되도록 트리거를 작성 하시오</a:t>
-            </a:r>
-            <a:r>
-              <a:rPr lang="en-US" altLang="ko-KR" dirty="0" smtClean="0"/>
-              <a:t>.</a:t>
-            </a:r>
             <a:endParaRPr lang="en-US" altLang="ko-KR" dirty="0"/>
           </a:p>
         </p:txBody>
@@ -9521,7 +9503,7 @@
     </p:spTree>
     <p:extLst>
       <p:ext uri="{BB962C8B-B14F-4D97-AF65-F5344CB8AC3E}">
-        <p14:creationId xmlns:p14="http://schemas.microsoft.com/office/powerpoint/2010/main" val="4026899891"/>
+        <p14:creationId xmlns:p14="http://schemas.microsoft.com/office/powerpoint/2010/main" val="1642349010"/>
       </p:ext>
     </p:extLst>
   </p:cSld>
@@ -9794,29 +9776,15 @@
             </a:pPr>
             <a:r>
               <a:rPr lang="ko-KR" altLang="en-US" dirty="0" smtClean="0"/>
-              <a:t>트리거 </a:t>
+              <a:t>실습 </a:t>
             </a:r>
             <a:r>
               <a:rPr lang="en-US" altLang="ko-KR" dirty="0" smtClean="0"/>
-              <a:t>- </a:t>
+              <a:t>6. customer </a:t>
             </a:r>
             <a:r>
               <a:rPr lang="ko-KR" altLang="en-US" dirty="0" smtClean="0"/>
-              <a:t>변수</a:t>
-            </a:r>
-            <a:endParaRPr lang="en-US" altLang="ko-KR" dirty="0" smtClean="0"/>
-          </a:p>
-          <a:p>
-            <a:pPr marL="0" indent="0">
-              <a:buNone/>
-            </a:pPr>
-            <a:r>
-              <a:rPr lang="en-US" altLang="ko-KR" dirty="0" smtClean="0"/>
-              <a:t> - </a:t>
-            </a:r>
-            <a:r>
-              <a:rPr lang="ko-KR" altLang="en-US" dirty="0" smtClean="0"/>
-              <a:t>트리거 내에서 변수를 선언하여 사용 할 수 있다</a:t>
+              <a:t>테이블에 생성된 트리거를 모두 삭제 하고 확인 하시오</a:t>
             </a:r>
             <a:r>
               <a:rPr lang="en-US" altLang="ko-KR" dirty="0" smtClean="0"/>
@@ -9827,33 +9795,58 @@
             <a:pPr marL="0" indent="0">
               <a:buNone/>
             </a:pPr>
-            <a:r>
-              <a:rPr lang="en-US" altLang="ko-KR" dirty="0"/>
-              <a:t> </a:t>
+            <a:endParaRPr lang="en-US" altLang="ko-KR" dirty="0"/>
+          </a:p>
+          <a:p>
+            <a:pPr marL="0" indent="0">
+              <a:buNone/>
+            </a:pPr>
+            <a:r>
+              <a:rPr lang="ko-KR" altLang="en-US" dirty="0" smtClean="0"/>
+              <a:t>실습 </a:t>
             </a:r>
             <a:r>
               <a:rPr lang="en-US" altLang="ko-KR" dirty="0" smtClean="0"/>
-              <a:t>- </a:t>
+              <a:t>7. customer </a:t>
             </a:r>
             <a:r>
               <a:rPr lang="ko-KR" altLang="en-US" dirty="0" smtClean="0"/>
-              <a:t>선언된 변수는 </a:t>
+              <a:t>테이블 데이터가 삭제 될 때 이름을 </a:t>
             </a:r>
             <a:r>
               <a:rPr lang="en-US" altLang="ko-KR" dirty="0" smtClean="0"/>
-              <a:t>select</a:t>
+              <a:t>‘-’ </a:t>
             </a:r>
             <a:r>
               <a:rPr lang="ko-KR" altLang="en-US" dirty="0" smtClean="0"/>
-              <a:t>문을 이용할 수 있으며</a:t>
+              <a:t>로 대처하여 백업 되는 트리거를 작성 하시오</a:t>
             </a:r>
             <a:r>
               <a:rPr lang="en-US" altLang="ko-KR" dirty="0" smtClean="0"/>
-              <a:t>, </a:t>
-            </a:r>
+              <a:t>.</a:t>
+            </a:r>
+          </a:p>
+          <a:p>
+            <a:pPr marL="0" indent="0">
+              <a:buNone/>
+            </a:pPr>
+            <a:endParaRPr lang="en-US" altLang="ko-KR" dirty="0"/>
+          </a:p>
+          <a:p>
+            <a:pPr marL="0" indent="0">
+              <a:buNone/>
+            </a:pPr>
             <a:r>
               <a:rPr lang="ko-KR" altLang="en-US" dirty="0" smtClean="0"/>
-              <a:t>연산 또한 가능하다</a:t>
+              <a:t>실습 </a:t>
+            </a:r>
+            <a:r>
+              <a:rPr lang="en-US" altLang="ko-KR" dirty="0" smtClean="0"/>
+              <a:t>8. customer </a:t>
+            </a:r>
+            <a:r>
+              <a:rPr lang="ko-KR" altLang="en-US" dirty="0" smtClean="0"/>
+              <a:t>테이블 데이터가 수정 될 때 이름은 변경 전 내용으로 하고 나머지 데이터는 새로 입력 되는 데이터로 백업되도록 트리거를 작성 하시오</a:t>
             </a:r>
             <a:r>
               <a:rPr lang="en-US" altLang="ko-KR" dirty="0" smtClean="0"/>
@@ -9866,7 +9859,7 @@
     </p:spTree>
     <p:extLst>
       <p:ext uri="{BB962C8B-B14F-4D97-AF65-F5344CB8AC3E}">
-        <p14:creationId xmlns:p14="http://schemas.microsoft.com/office/powerpoint/2010/main" val="462971531"/>
+        <p14:creationId xmlns:p14="http://schemas.microsoft.com/office/powerpoint/2010/main" val="4026899891"/>
       </p:ext>
     </p:extLst>
   </p:cSld>
@@ -10161,242 +10154,48 @@
             </a:r>
             <a:r>
               <a:rPr lang="ko-KR" altLang="en-US" dirty="0" smtClean="0"/>
-              <a:t>예시</a:t>
-            </a:r>
-            <a:endParaRPr lang="en-US" altLang="ko-KR" dirty="0" smtClean="0"/>
+              <a:t>트리거 내에서 변수를 선언하여 사용 할 수 있다</a:t>
+            </a:r>
+            <a:r>
+              <a:rPr lang="en-US" altLang="ko-KR" dirty="0" smtClean="0"/>
+              <a:t>.</a:t>
+            </a:r>
           </a:p>
           <a:p>
             <a:pPr marL="0" indent="0">
               <a:buNone/>
             </a:pPr>
             <a:r>
-              <a:rPr lang="en-US" altLang="ko-KR" sz="1400" dirty="0"/>
-              <a:t>delimiter //</a:t>
-            </a:r>
-          </a:p>
-          <a:p>
-            <a:pPr marL="0" indent="0">
-              <a:buNone/>
-            </a:pPr>
-            <a:r>
-              <a:rPr lang="en-US" altLang="ko-KR" sz="1400" dirty="0"/>
-              <a:t>  CREATE TRIGGER </a:t>
-            </a:r>
-            <a:r>
-              <a:rPr lang="en-US" altLang="ko-KR" sz="1400" dirty="0" err="1"/>
-              <a:t>customer_update_history</a:t>
-            </a:r>
-            <a:endParaRPr lang="en-US" altLang="ko-KR" sz="1400" dirty="0"/>
-          </a:p>
-          <a:p>
-            <a:pPr marL="0" indent="0">
-              <a:buNone/>
-            </a:pPr>
-            <a:r>
-              <a:rPr lang="en-US" altLang="ko-KR" sz="1400" dirty="0"/>
-              <a:t>  BEFORE UPDATE</a:t>
-            </a:r>
-          </a:p>
-          <a:p>
-            <a:pPr marL="0" indent="0">
-              <a:buNone/>
-            </a:pPr>
-            <a:r>
-              <a:rPr lang="en-US" altLang="ko-KR" sz="1400" dirty="0"/>
-              <a:t>  ON customer FOR EACH ROW</a:t>
-            </a:r>
-          </a:p>
-          <a:p>
-            <a:pPr marL="0" indent="0">
-              <a:buNone/>
-            </a:pPr>
-            <a:r>
-              <a:rPr lang="en-US" altLang="ko-KR" sz="1400" dirty="0"/>
-              <a:t>  BEGIN</a:t>
-            </a:r>
-          </a:p>
-          <a:p>
-            <a:pPr marL="0" indent="0">
-              <a:buNone/>
-            </a:pPr>
-            <a:r>
-              <a:rPr lang="en-US" altLang="ko-KR" sz="1400" dirty="0"/>
-              <a:t>  DECLARE </a:t>
-            </a:r>
-            <a:r>
-              <a:rPr lang="en-US" altLang="ko-KR" sz="1400" dirty="0" err="1"/>
-              <a:t>total_count</a:t>
-            </a:r>
-            <a:r>
-              <a:rPr lang="en-US" altLang="ko-KR" sz="1400" dirty="0"/>
+              <a:rPr lang="en-US" altLang="ko-KR" dirty="0"/>
               <a:t> </a:t>
             </a:r>
             <a:r>
-              <a:rPr lang="en-US" altLang="ko-KR" sz="1400" dirty="0" err="1"/>
-              <a:t>int</a:t>
-            </a:r>
-            <a:r>
-              <a:rPr lang="en-US" altLang="ko-KR" sz="1400" dirty="0"/>
-              <a:t>;</a:t>
-            </a:r>
-          </a:p>
-          <a:p>
-            <a:pPr marL="0" indent="0">
-              <a:buNone/>
-            </a:pPr>
-            <a:r>
-              <a:rPr lang="en-US" altLang="ko-KR" sz="1400" dirty="0"/>
-              <a:t>  </a:t>
-            </a:r>
-          </a:p>
-          <a:p>
-            <a:pPr marL="0" indent="0">
-              <a:buNone/>
-            </a:pPr>
-            <a:r>
-              <a:rPr lang="en-US" altLang="ko-KR" sz="1400" dirty="0"/>
-              <a:t>  SELECT COUNT(*) INTO </a:t>
-            </a:r>
-            <a:r>
-              <a:rPr lang="en-US" altLang="ko-KR" sz="1400" dirty="0" err="1"/>
-              <a:t>total_count</a:t>
-            </a:r>
-            <a:r>
-              <a:rPr lang="en-US" altLang="ko-KR" sz="1400" dirty="0"/>
-              <a:t> FROM customer;</a:t>
-            </a:r>
-          </a:p>
-          <a:p>
-            <a:pPr marL="0" indent="0">
-              <a:buNone/>
-            </a:pPr>
-            <a:r>
-              <a:rPr lang="en-US" altLang="ko-KR" sz="1400" dirty="0"/>
-              <a:t>  </a:t>
-            </a:r>
-          </a:p>
-          <a:p>
-            <a:pPr marL="0" indent="0">
-              <a:buNone/>
-            </a:pPr>
-            <a:r>
-              <a:rPr lang="en-US" altLang="ko-KR" sz="1400" dirty="0"/>
-              <a:t>    INSERT INTO </a:t>
-            </a:r>
-            <a:r>
-              <a:rPr lang="en-US" altLang="ko-KR" sz="1400" dirty="0" err="1"/>
-              <a:t>customer_history</a:t>
-            </a:r>
-            <a:r>
-              <a:rPr lang="en-US" altLang="ko-KR" sz="1400" dirty="0"/>
-              <a:t>(</a:t>
-            </a:r>
-            <a:r>
-              <a:rPr lang="en-US" altLang="ko-KR" sz="1400" dirty="0" err="1"/>
-              <a:t>c_id</a:t>
-            </a:r>
-            <a:r>
-              <a:rPr lang="en-US" altLang="ko-KR" sz="1400" dirty="0"/>
+              <a:rPr lang="en-US" altLang="ko-KR" dirty="0" smtClean="0"/>
+              <a:t>- </a:t>
+            </a:r>
+            <a:r>
+              <a:rPr lang="ko-KR" altLang="en-US" dirty="0" smtClean="0"/>
+              <a:t>선언된 변수는 </a:t>
+            </a:r>
+            <a:r>
+              <a:rPr lang="en-US" altLang="ko-KR" dirty="0" smtClean="0"/>
+              <a:t>select</a:t>
+            </a:r>
+            <a:r>
+              <a:rPr lang="ko-KR" altLang="en-US" dirty="0" smtClean="0"/>
+              <a:t>문을 이용할 수 있으며</a:t>
+            </a:r>
+            <a:r>
+              <a:rPr lang="en-US" altLang="ko-KR" dirty="0" smtClean="0"/>
               <a:t>, </a:t>
             </a:r>
             <a:r>
-              <a:rPr lang="en-US" altLang="ko-KR" sz="1400" dirty="0" err="1"/>
-              <a:t>c_name</a:t>
-            </a:r>
-            <a:r>
-              <a:rPr lang="en-US" altLang="ko-KR" sz="1400" dirty="0"/>
-              <a:t>, </a:t>
-            </a:r>
-            <a:r>
-              <a:rPr lang="en-US" altLang="ko-KR" sz="1400" dirty="0" err="1"/>
-              <a:t>c_mobile</a:t>
-            </a:r>
-            <a:r>
-              <a:rPr lang="en-US" altLang="ko-KR" sz="1400" dirty="0"/>
-              <a:t>, level, </a:t>
-            </a:r>
-            <a:r>
-              <a:rPr lang="en-US" altLang="ko-KR" sz="1400" dirty="0" err="1"/>
-              <a:t>zipcode</a:t>
-            </a:r>
-            <a:r>
-              <a:rPr lang="en-US" altLang="ko-KR" sz="1400" dirty="0"/>
-              <a:t>, age)</a:t>
-            </a:r>
-          </a:p>
-          <a:p>
-            <a:pPr marL="0" indent="0">
-              <a:buNone/>
-            </a:pPr>
-            <a:r>
-              <a:rPr lang="en-US" altLang="ko-KR" sz="1400" dirty="0"/>
-              <a:t>    VALUES(</a:t>
-            </a:r>
-            <a:r>
-              <a:rPr lang="en-US" altLang="ko-KR" sz="1400" dirty="0" err="1"/>
-              <a:t>NEW.c_id</a:t>
-            </a:r>
-            <a:r>
-              <a:rPr lang="en-US" altLang="ko-KR" sz="1400" dirty="0"/>
-              <a:t>, </a:t>
-            </a:r>
-            <a:r>
-              <a:rPr lang="en-US" altLang="ko-KR" sz="1400" dirty="0" err="1"/>
-              <a:t>NEW.c_name</a:t>
-            </a:r>
-            <a:r>
-              <a:rPr lang="en-US" altLang="ko-KR" sz="1400" dirty="0"/>
-              <a:t>, </a:t>
-            </a:r>
-            <a:r>
-              <a:rPr lang="en-US" altLang="ko-KR" sz="1400" dirty="0" err="1"/>
-              <a:t>NEW.c_mobile</a:t>
-            </a:r>
-            <a:r>
-              <a:rPr lang="en-US" altLang="ko-KR" sz="1400" dirty="0"/>
-              <a:t>, </a:t>
-            </a:r>
-            <a:r>
-              <a:rPr lang="en-US" altLang="ko-KR" sz="1400" dirty="0" err="1"/>
-              <a:t>NEW.level</a:t>
-            </a:r>
-            <a:r>
-              <a:rPr lang="en-US" altLang="ko-KR" sz="1400" dirty="0"/>
-              <a:t>, </a:t>
-            </a:r>
-            <a:r>
-              <a:rPr lang="en-US" altLang="ko-KR" sz="1400" dirty="0" err="1"/>
-              <a:t>NEW.zipcode</a:t>
-            </a:r>
-            <a:r>
-              <a:rPr lang="en-US" altLang="ko-KR" sz="1400" dirty="0"/>
-              <a:t>, </a:t>
-            </a:r>
-            <a:r>
-              <a:rPr lang="en-US" altLang="ko-KR" sz="1400" dirty="0" err="1"/>
-              <a:t>total_count</a:t>
-            </a:r>
-            <a:r>
-              <a:rPr lang="en-US" altLang="ko-KR" sz="1400" dirty="0"/>
-              <a:t>);</a:t>
-            </a:r>
-          </a:p>
-          <a:p>
-            <a:pPr marL="0" indent="0">
-              <a:buNone/>
-            </a:pPr>
-            <a:r>
-              <a:rPr lang="en-US" altLang="ko-KR" sz="1400" dirty="0"/>
-              <a:t>  END;//</a:t>
-            </a:r>
-          </a:p>
-          <a:p>
-            <a:pPr marL="0" indent="0">
-              <a:buNone/>
-            </a:pPr>
-            <a:r>
-              <a:rPr lang="en-US" altLang="ko-KR" sz="1400" dirty="0"/>
-              <a:t>delimiter ;</a:t>
+              <a:rPr lang="ko-KR" altLang="en-US" dirty="0" smtClean="0"/>
+              <a:t>연산 또한 가능하다</a:t>
+            </a:r>
+            <a:r>
+              <a:rPr lang="en-US" altLang="ko-KR" dirty="0" smtClean="0"/>
+              <a:t>.</a:t>
             </a:r>
             <a:endParaRPr lang="en-US" altLang="ko-KR" dirty="0"/>
           </a:p>
@@ -10405,13 +10204,20 @@
     </p:spTree>
     <p:extLst>
       <p:ext uri="{BB962C8B-B14F-4D97-AF65-F5344CB8AC3E}">
-        <p14:creationId xmlns:p14="http://schemas.microsoft.com/office/powerpoint/2010/main" val="2840948859"/>
+        <p14:creationId xmlns:p14="http://schemas.microsoft.com/office/powerpoint/2010/main" val="462971531"/>
       </p:ext>
     </p:extLst>
   </p:cSld>
   <p:clrMapOvr>
     <a:masterClrMapping/>
   </p:clrMapOvr>
+  <p:timing>
+    <p:tnLst>
+      <p:par>
+        <p:cTn id="1" dur="indefinite" restart="never" nodeType="tmRoot"/>
+      </p:par>
+    </p:tnLst>
+  </p:timing>
 </p:sld>
 </file>
 
@@ -10482,34 +10288,462 @@
           </a:p>
         </p:txBody>
       </p:sp>
-      <p:pic>
-        <p:nvPicPr>
-          <p:cNvPr id="4" name="그림 3"/>
-          <p:cNvPicPr>
-            <a:picLocks noChangeAspect="1"/>
-          </p:cNvPicPr>
+      <p:sp>
+        <p:nvSpPr>
+          <p:cNvPr id="3" name="내용 개체 틀 2"/>
+          <p:cNvSpPr txBox="1">
+            <a:spLocks/>
+          </p:cNvSpPr>
           <p:nvPr/>
-        </p:nvPicPr>
-        <p:blipFill>
-          <a:blip r:embed="rId2"/>
-          <a:stretch>
-            <a:fillRect/>
-          </a:stretch>
-        </p:blipFill>
+        </p:nvSpPr>
         <p:spPr>
           <a:xfrm>
-            <a:off x="350805" y="770522"/>
-            <a:ext cx="8404888" cy="6136554"/>
+            <a:off x="457200" y="1199368"/>
+            <a:ext cx="11222182" cy="4525963"/>
           </a:xfrm>
           <a:prstGeom prst="rect">
             <a:avLst/>
           </a:prstGeom>
         </p:spPr>
-      </p:pic>
+        <p:txBody>
+          <a:bodyPr/>
+          <a:lstStyle>
+            <a:lvl1pPr marL="228600" indent="-228600" algn="l" defTabSz="914400" rtl="0" eaLnBrk="1" latinLnBrk="1" hangingPunct="1">
+              <a:lnSpc>
+                <a:spcPct val="90000"/>
+              </a:lnSpc>
+              <a:spcBef>
+                <a:spcPts val="1000"/>
+              </a:spcBef>
+              <a:buFont typeface="Arial" panose="020B0604020202020204" pitchFamily="34" charset="0"/>
+              <a:buChar char="•"/>
+              <a:defRPr sz="2800" kern="1200">
+                <a:solidFill>
+                  <a:schemeClr val="tx1"/>
+                </a:solidFill>
+                <a:latin typeface="+mn-lt"/>
+                <a:ea typeface="+mn-ea"/>
+                <a:cs typeface="+mn-cs"/>
+              </a:defRPr>
+            </a:lvl1pPr>
+            <a:lvl2pPr marL="685800" indent="-228600" algn="l" defTabSz="914400" rtl="0" eaLnBrk="1" latinLnBrk="1" hangingPunct="1">
+              <a:lnSpc>
+                <a:spcPct val="90000"/>
+              </a:lnSpc>
+              <a:spcBef>
+                <a:spcPts val="500"/>
+              </a:spcBef>
+              <a:buFont typeface="Arial" panose="020B0604020202020204" pitchFamily="34" charset="0"/>
+              <a:buChar char="•"/>
+              <a:defRPr sz="2400" kern="1200">
+                <a:solidFill>
+                  <a:schemeClr val="tx1"/>
+                </a:solidFill>
+                <a:latin typeface="+mn-lt"/>
+                <a:ea typeface="+mn-ea"/>
+                <a:cs typeface="+mn-cs"/>
+              </a:defRPr>
+            </a:lvl2pPr>
+            <a:lvl3pPr marL="1143000" indent="-228600" algn="l" defTabSz="914400" rtl="0" eaLnBrk="1" latinLnBrk="1" hangingPunct="1">
+              <a:lnSpc>
+                <a:spcPct val="90000"/>
+              </a:lnSpc>
+              <a:spcBef>
+                <a:spcPts val="500"/>
+              </a:spcBef>
+              <a:buFont typeface="Arial" panose="020B0604020202020204" pitchFamily="34" charset="0"/>
+              <a:buChar char="•"/>
+              <a:defRPr sz="2000" kern="1200">
+                <a:solidFill>
+                  <a:schemeClr val="tx1"/>
+                </a:solidFill>
+                <a:latin typeface="+mn-lt"/>
+                <a:ea typeface="+mn-ea"/>
+                <a:cs typeface="+mn-cs"/>
+              </a:defRPr>
+            </a:lvl3pPr>
+            <a:lvl4pPr marL="1600200" indent="-228600" algn="l" defTabSz="914400" rtl="0" eaLnBrk="1" latinLnBrk="1" hangingPunct="1">
+              <a:lnSpc>
+                <a:spcPct val="90000"/>
+              </a:lnSpc>
+              <a:spcBef>
+                <a:spcPts val="500"/>
+              </a:spcBef>
+              <a:buFont typeface="Arial" panose="020B0604020202020204" pitchFamily="34" charset="0"/>
+              <a:buChar char="•"/>
+              <a:defRPr sz="1800" kern="1200">
+                <a:solidFill>
+                  <a:schemeClr val="tx1"/>
+                </a:solidFill>
+                <a:latin typeface="+mn-lt"/>
+                <a:ea typeface="+mn-ea"/>
+                <a:cs typeface="+mn-cs"/>
+              </a:defRPr>
+            </a:lvl4pPr>
+            <a:lvl5pPr marL="2057400" indent="-228600" algn="l" defTabSz="914400" rtl="0" eaLnBrk="1" latinLnBrk="1" hangingPunct="1">
+              <a:lnSpc>
+                <a:spcPct val="90000"/>
+              </a:lnSpc>
+              <a:spcBef>
+                <a:spcPts val="500"/>
+              </a:spcBef>
+              <a:buFont typeface="Arial" panose="020B0604020202020204" pitchFamily="34" charset="0"/>
+              <a:buChar char="•"/>
+              <a:defRPr sz="1800" kern="1200">
+                <a:solidFill>
+                  <a:schemeClr val="tx1"/>
+                </a:solidFill>
+                <a:latin typeface="+mn-lt"/>
+                <a:ea typeface="+mn-ea"/>
+                <a:cs typeface="+mn-cs"/>
+              </a:defRPr>
+            </a:lvl5pPr>
+            <a:lvl6pPr marL="2514600" indent="-228600" algn="l" defTabSz="914400" rtl="0" eaLnBrk="1" latinLnBrk="1" hangingPunct="1">
+              <a:lnSpc>
+                <a:spcPct val="90000"/>
+              </a:lnSpc>
+              <a:spcBef>
+                <a:spcPts val="500"/>
+              </a:spcBef>
+              <a:buFont typeface="Arial" panose="020B0604020202020204" pitchFamily="34" charset="0"/>
+              <a:buChar char="•"/>
+              <a:defRPr sz="1800" kern="1200">
+                <a:solidFill>
+                  <a:schemeClr val="tx1"/>
+                </a:solidFill>
+                <a:latin typeface="+mn-lt"/>
+                <a:ea typeface="+mn-ea"/>
+                <a:cs typeface="+mn-cs"/>
+              </a:defRPr>
+            </a:lvl6pPr>
+            <a:lvl7pPr marL="2971800" indent="-228600" algn="l" defTabSz="914400" rtl="0" eaLnBrk="1" latinLnBrk="1" hangingPunct="1">
+              <a:lnSpc>
+                <a:spcPct val="90000"/>
+              </a:lnSpc>
+              <a:spcBef>
+                <a:spcPts val="500"/>
+              </a:spcBef>
+              <a:buFont typeface="Arial" panose="020B0604020202020204" pitchFamily="34" charset="0"/>
+              <a:buChar char="•"/>
+              <a:defRPr sz="1800" kern="1200">
+                <a:solidFill>
+                  <a:schemeClr val="tx1"/>
+                </a:solidFill>
+                <a:latin typeface="+mn-lt"/>
+                <a:ea typeface="+mn-ea"/>
+                <a:cs typeface="+mn-cs"/>
+              </a:defRPr>
+            </a:lvl7pPr>
+            <a:lvl8pPr marL="3429000" indent="-228600" algn="l" defTabSz="914400" rtl="0" eaLnBrk="1" latinLnBrk="1" hangingPunct="1">
+              <a:lnSpc>
+                <a:spcPct val="90000"/>
+              </a:lnSpc>
+              <a:spcBef>
+                <a:spcPts val="500"/>
+              </a:spcBef>
+              <a:buFont typeface="Arial" panose="020B0604020202020204" pitchFamily="34" charset="0"/>
+              <a:buChar char="•"/>
+              <a:defRPr sz="1800" kern="1200">
+                <a:solidFill>
+                  <a:schemeClr val="tx1"/>
+                </a:solidFill>
+                <a:latin typeface="+mn-lt"/>
+                <a:ea typeface="+mn-ea"/>
+                <a:cs typeface="+mn-cs"/>
+              </a:defRPr>
+            </a:lvl8pPr>
+            <a:lvl9pPr marL="3886200" indent="-228600" algn="l" defTabSz="914400" rtl="0" eaLnBrk="1" latinLnBrk="1" hangingPunct="1">
+              <a:lnSpc>
+                <a:spcPct val="90000"/>
+              </a:lnSpc>
+              <a:spcBef>
+                <a:spcPts val="500"/>
+              </a:spcBef>
+              <a:buFont typeface="Arial" panose="020B0604020202020204" pitchFamily="34" charset="0"/>
+              <a:buChar char="•"/>
+              <a:defRPr sz="1800" kern="1200">
+                <a:solidFill>
+                  <a:schemeClr val="tx1"/>
+                </a:solidFill>
+                <a:latin typeface="+mn-lt"/>
+                <a:ea typeface="+mn-ea"/>
+                <a:cs typeface="+mn-cs"/>
+              </a:defRPr>
+            </a:lvl9pPr>
+          </a:lstStyle>
+          <a:p>
+            <a:pPr marL="0" indent="0">
+              <a:buNone/>
+            </a:pPr>
+            <a:r>
+              <a:rPr lang="ko-KR" altLang="en-US" dirty="0" smtClean="0"/>
+              <a:t>트리거 </a:t>
+            </a:r>
+            <a:r>
+              <a:rPr lang="en-US" altLang="ko-KR" dirty="0" smtClean="0"/>
+              <a:t>- </a:t>
+            </a:r>
+            <a:r>
+              <a:rPr lang="ko-KR" altLang="en-US" dirty="0" smtClean="0"/>
+              <a:t>변수</a:t>
+            </a:r>
+            <a:endParaRPr lang="en-US" altLang="ko-KR" dirty="0" smtClean="0"/>
+          </a:p>
+          <a:p>
+            <a:pPr marL="0" indent="0">
+              <a:buNone/>
+            </a:pPr>
+            <a:r>
+              <a:rPr lang="en-US" altLang="ko-KR" dirty="0" smtClean="0"/>
+              <a:t> - </a:t>
+            </a:r>
+            <a:r>
+              <a:rPr lang="ko-KR" altLang="en-US" dirty="0" smtClean="0"/>
+              <a:t>예시</a:t>
+            </a:r>
+            <a:endParaRPr lang="en-US" altLang="ko-KR" dirty="0" smtClean="0"/>
+          </a:p>
+          <a:p>
+            <a:pPr marL="0" indent="0">
+              <a:buNone/>
+            </a:pPr>
+            <a:r>
+              <a:rPr lang="en-US" altLang="ko-KR" sz="1400" dirty="0"/>
+              <a:t>delimiter //</a:t>
+            </a:r>
+          </a:p>
+          <a:p>
+            <a:pPr marL="0" indent="0">
+              <a:buNone/>
+            </a:pPr>
+            <a:r>
+              <a:rPr lang="en-US" altLang="ko-KR" sz="1400" dirty="0"/>
+              <a:t>  CREATE TRIGGER </a:t>
+            </a:r>
+            <a:r>
+              <a:rPr lang="en-US" altLang="ko-KR" sz="1400" dirty="0" err="1"/>
+              <a:t>customer_update_history</a:t>
+            </a:r>
+            <a:endParaRPr lang="en-US" altLang="ko-KR" sz="1400" dirty="0"/>
+          </a:p>
+          <a:p>
+            <a:pPr marL="0" indent="0">
+              <a:buNone/>
+            </a:pPr>
+            <a:r>
+              <a:rPr lang="en-US" altLang="ko-KR" sz="1400" dirty="0"/>
+              <a:t>  BEFORE UPDATE</a:t>
+            </a:r>
+          </a:p>
+          <a:p>
+            <a:pPr marL="0" indent="0">
+              <a:buNone/>
+            </a:pPr>
+            <a:r>
+              <a:rPr lang="en-US" altLang="ko-KR" sz="1400" dirty="0"/>
+              <a:t>  ON customer FOR EACH ROW</a:t>
+            </a:r>
+          </a:p>
+          <a:p>
+            <a:pPr marL="0" indent="0">
+              <a:buNone/>
+            </a:pPr>
+            <a:r>
+              <a:rPr lang="en-US" altLang="ko-KR" sz="1400" dirty="0"/>
+              <a:t>  BEGIN</a:t>
+            </a:r>
+          </a:p>
+          <a:p>
+            <a:pPr marL="0" indent="0">
+              <a:buNone/>
+            </a:pPr>
+            <a:r>
+              <a:rPr lang="en-US" altLang="ko-KR" sz="1400" dirty="0"/>
+              <a:t>  DECLARE </a:t>
+            </a:r>
+            <a:r>
+              <a:rPr lang="en-US" altLang="ko-KR" sz="1400" dirty="0" err="1"/>
+              <a:t>total_count</a:t>
+            </a:r>
+            <a:r>
+              <a:rPr lang="en-US" altLang="ko-KR" sz="1400" dirty="0"/>
+              <a:t> </a:t>
+            </a:r>
+            <a:r>
+              <a:rPr lang="en-US" altLang="ko-KR" sz="1400" dirty="0" err="1"/>
+              <a:t>int</a:t>
+            </a:r>
+            <a:r>
+              <a:rPr lang="en-US" altLang="ko-KR" sz="1400" dirty="0"/>
+              <a:t>;</a:t>
+            </a:r>
+          </a:p>
+          <a:p>
+            <a:pPr marL="0" indent="0">
+              <a:buNone/>
+            </a:pPr>
+            <a:r>
+              <a:rPr lang="en-US" altLang="ko-KR" sz="1400" dirty="0"/>
+              <a:t>  </a:t>
+            </a:r>
+          </a:p>
+          <a:p>
+            <a:pPr marL="0" indent="0">
+              <a:buNone/>
+            </a:pPr>
+            <a:r>
+              <a:rPr lang="en-US" altLang="ko-KR" sz="1400" dirty="0"/>
+              <a:t>  SELECT COUNT(*) INTO </a:t>
+            </a:r>
+            <a:r>
+              <a:rPr lang="en-US" altLang="ko-KR" sz="1400" dirty="0" err="1"/>
+              <a:t>total_count</a:t>
+            </a:r>
+            <a:r>
+              <a:rPr lang="en-US" altLang="ko-KR" sz="1400" dirty="0"/>
+              <a:t> FROM customer;</a:t>
+            </a:r>
+          </a:p>
+          <a:p>
+            <a:pPr marL="0" indent="0">
+              <a:buNone/>
+            </a:pPr>
+            <a:r>
+              <a:rPr lang="en-US" altLang="ko-KR" sz="1400" dirty="0"/>
+              <a:t>  </a:t>
+            </a:r>
+          </a:p>
+          <a:p>
+            <a:pPr marL="0" indent="0">
+              <a:buNone/>
+            </a:pPr>
+            <a:r>
+              <a:rPr lang="en-US" altLang="ko-KR" sz="1400" dirty="0"/>
+              <a:t>    INSERT INTO </a:t>
+            </a:r>
+            <a:r>
+              <a:rPr lang="en-US" altLang="ko-KR" sz="1400" dirty="0" err="1"/>
+              <a:t>customer_history</a:t>
+            </a:r>
+            <a:r>
+              <a:rPr lang="en-US" altLang="ko-KR" sz="1400" dirty="0"/>
+              <a:t>(</a:t>
+            </a:r>
+            <a:r>
+              <a:rPr lang="en-US" altLang="ko-KR" sz="1400" dirty="0" err="1"/>
+              <a:t>c_id</a:t>
+            </a:r>
+            <a:r>
+              <a:rPr lang="en-US" altLang="ko-KR" sz="1400" dirty="0"/>
+              <a:t>, </a:t>
+            </a:r>
+            <a:r>
+              <a:rPr lang="en-US" altLang="ko-KR" sz="1400" dirty="0" err="1"/>
+              <a:t>c_name</a:t>
+            </a:r>
+            <a:r>
+              <a:rPr lang="en-US" altLang="ko-KR" sz="1400" dirty="0"/>
+              <a:t>, </a:t>
+            </a:r>
+            <a:r>
+              <a:rPr lang="en-US" altLang="ko-KR" sz="1400" dirty="0" err="1"/>
+              <a:t>c_mobile</a:t>
+            </a:r>
+            <a:r>
+              <a:rPr lang="en-US" altLang="ko-KR" sz="1400" dirty="0"/>
+              <a:t>, level, </a:t>
+            </a:r>
+            <a:r>
+              <a:rPr lang="en-US" altLang="ko-KR" sz="1400" dirty="0" err="1"/>
+              <a:t>zipcode</a:t>
+            </a:r>
+            <a:r>
+              <a:rPr lang="en-US" altLang="ko-KR" sz="1400" dirty="0"/>
+              <a:t>, age)</a:t>
+            </a:r>
+          </a:p>
+          <a:p>
+            <a:pPr marL="0" indent="0">
+              <a:buNone/>
+            </a:pPr>
+            <a:r>
+              <a:rPr lang="en-US" altLang="ko-KR" sz="1400" dirty="0"/>
+              <a:t>    VALUES(</a:t>
+            </a:r>
+            <a:r>
+              <a:rPr lang="en-US" altLang="ko-KR" sz="1400" dirty="0" err="1"/>
+              <a:t>NEW.c_id</a:t>
+            </a:r>
+            <a:r>
+              <a:rPr lang="en-US" altLang="ko-KR" sz="1400" dirty="0"/>
+              <a:t>, </a:t>
+            </a:r>
+            <a:r>
+              <a:rPr lang="en-US" altLang="ko-KR" sz="1400" dirty="0" err="1"/>
+              <a:t>NEW.c_name</a:t>
+            </a:r>
+            <a:r>
+              <a:rPr lang="en-US" altLang="ko-KR" sz="1400" dirty="0"/>
+              <a:t>, </a:t>
+            </a:r>
+            <a:r>
+              <a:rPr lang="en-US" altLang="ko-KR" sz="1400" dirty="0" err="1"/>
+              <a:t>NEW.c_mobile</a:t>
+            </a:r>
+            <a:r>
+              <a:rPr lang="en-US" altLang="ko-KR" sz="1400" dirty="0"/>
+              <a:t>, </a:t>
+            </a:r>
+            <a:r>
+              <a:rPr lang="en-US" altLang="ko-KR" sz="1400" dirty="0" err="1"/>
+              <a:t>NEW.level</a:t>
+            </a:r>
+            <a:r>
+              <a:rPr lang="en-US" altLang="ko-KR" sz="1400" dirty="0"/>
+              <a:t>, </a:t>
+            </a:r>
+            <a:r>
+              <a:rPr lang="en-US" altLang="ko-KR" sz="1400" dirty="0" err="1"/>
+              <a:t>NEW.zipcode</a:t>
+            </a:r>
+            <a:r>
+              <a:rPr lang="en-US" altLang="ko-KR" sz="1400" dirty="0"/>
+              <a:t>, </a:t>
+            </a:r>
+            <a:r>
+              <a:rPr lang="en-US" altLang="ko-KR" sz="1400" dirty="0" err="1"/>
+              <a:t>total_count</a:t>
+            </a:r>
+            <a:r>
+              <a:rPr lang="en-US" altLang="ko-KR" sz="1400" dirty="0"/>
+              <a:t>);</a:t>
+            </a:r>
+          </a:p>
+          <a:p>
+            <a:pPr marL="0" indent="0">
+              <a:buNone/>
+            </a:pPr>
+            <a:r>
+              <a:rPr lang="en-US" altLang="ko-KR" sz="1400" dirty="0"/>
+              <a:t>  END;//</a:t>
+            </a:r>
+          </a:p>
+          <a:p>
+            <a:pPr marL="0" indent="0">
+              <a:buNone/>
+            </a:pPr>
+            <a:r>
+              <a:rPr lang="en-US" altLang="ko-KR" sz="1400" dirty="0"/>
+              <a:t>delimiter ;</a:t>
+            </a:r>
+            <a:endParaRPr lang="en-US" altLang="ko-KR" dirty="0"/>
+          </a:p>
+        </p:txBody>
+      </p:sp>
     </p:spTree>
     <p:extLst>
       <p:ext uri="{BB962C8B-B14F-4D97-AF65-F5344CB8AC3E}">
-        <p14:creationId xmlns:p14="http://schemas.microsoft.com/office/powerpoint/2010/main" val="1534581382"/>
+        <p14:creationId xmlns:p14="http://schemas.microsoft.com/office/powerpoint/2010/main" val="2840948859"/>
       </p:ext>
     </p:extLst>
   </p:cSld>
@@ -10593,346 +10827,47 @@
           </a:p>
         </p:txBody>
       </p:sp>
-      <p:sp>
-        <p:nvSpPr>
-          <p:cNvPr id="3" name="내용 개체 틀 2"/>
-          <p:cNvSpPr txBox="1">
-            <a:spLocks/>
-          </p:cNvSpPr>
+      <p:pic>
+        <p:nvPicPr>
+          <p:cNvPr id="4" name="그림 3"/>
+          <p:cNvPicPr>
+            <a:picLocks noChangeAspect="1"/>
+          </p:cNvPicPr>
           <p:nvPr/>
-        </p:nvSpPr>
+        </p:nvPicPr>
+        <p:blipFill>
+          <a:blip r:embed="rId2"/>
+          <a:stretch>
+            <a:fillRect/>
+          </a:stretch>
+        </p:blipFill>
         <p:spPr>
           <a:xfrm>
-            <a:off x="457200" y="1199368"/>
-            <a:ext cx="11222182" cy="4525963"/>
+            <a:off x="350805" y="770522"/>
+            <a:ext cx="8404888" cy="6136554"/>
           </a:xfrm>
           <a:prstGeom prst="rect">
             <a:avLst/>
           </a:prstGeom>
         </p:spPr>
-        <p:txBody>
-          <a:bodyPr/>
-          <a:lstStyle>
-            <a:lvl1pPr marL="228600" indent="-228600" algn="l" defTabSz="914400" rtl="0" eaLnBrk="1" latinLnBrk="1" hangingPunct="1">
-              <a:lnSpc>
-                <a:spcPct val="90000"/>
-              </a:lnSpc>
-              <a:spcBef>
-                <a:spcPts val="1000"/>
-              </a:spcBef>
-              <a:buFont typeface="Arial" panose="020B0604020202020204" pitchFamily="34" charset="0"/>
-              <a:buChar char="•"/>
-              <a:defRPr sz="2800" kern="1200">
-                <a:solidFill>
-                  <a:schemeClr val="tx1"/>
-                </a:solidFill>
-                <a:latin typeface="+mn-lt"/>
-                <a:ea typeface="+mn-ea"/>
-                <a:cs typeface="+mn-cs"/>
-              </a:defRPr>
-            </a:lvl1pPr>
-            <a:lvl2pPr marL="685800" indent="-228600" algn="l" defTabSz="914400" rtl="0" eaLnBrk="1" latinLnBrk="1" hangingPunct="1">
-              <a:lnSpc>
-                <a:spcPct val="90000"/>
-              </a:lnSpc>
-              <a:spcBef>
-                <a:spcPts val="500"/>
-              </a:spcBef>
-              <a:buFont typeface="Arial" panose="020B0604020202020204" pitchFamily="34" charset="0"/>
-              <a:buChar char="•"/>
-              <a:defRPr sz="2400" kern="1200">
-                <a:solidFill>
-                  <a:schemeClr val="tx1"/>
-                </a:solidFill>
-                <a:latin typeface="+mn-lt"/>
-                <a:ea typeface="+mn-ea"/>
-                <a:cs typeface="+mn-cs"/>
-              </a:defRPr>
-            </a:lvl2pPr>
-            <a:lvl3pPr marL="1143000" indent="-228600" algn="l" defTabSz="914400" rtl="0" eaLnBrk="1" latinLnBrk="1" hangingPunct="1">
-              <a:lnSpc>
-                <a:spcPct val="90000"/>
-              </a:lnSpc>
-              <a:spcBef>
-                <a:spcPts val="500"/>
-              </a:spcBef>
-              <a:buFont typeface="Arial" panose="020B0604020202020204" pitchFamily="34" charset="0"/>
-              <a:buChar char="•"/>
-              <a:defRPr sz="2000" kern="1200">
-                <a:solidFill>
-                  <a:schemeClr val="tx1"/>
-                </a:solidFill>
-                <a:latin typeface="+mn-lt"/>
-                <a:ea typeface="+mn-ea"/>
-                <a:cs typeface="+mn-cs"/>
-              </a:defRPr>
-            </a:lvl3pPr>
-            <a:lvl4pPr marL="1600200" indent="-228600" algn="l" defTabSz="914400" rtl="0" eaLnBrk="1" latinLnBrk="1" hangingPunct="1">
-              <a:lnSpc>
-                <a:spcPct val="90000"/>
-              </a:lnSpc>
-              <a:spcBef>
-                <a:spcPts val="500"/>
-              </a:spcBef>
-              <a:buFont typeface="Arial" panose="020B0604020202020204" pitchFamily="34" charset="0"/>
-              <a:buChar char="•"/>
-              <a:defRPr sz="1800" kern="1200">
-                <a:solidFill>
-                  <a:schemeClr val="tx1"/>
-                </a:solidFill>
-                <a:latin typeface="+mn-lt"/>
-                <a:ea typeface="+mn-ea"/>
-                <a:cs typeface="+mn-cs"/>
-              </a:defRPr>
-            </a:lvl4pPr>
-            <a:lvl5pPr marL="2057400" indent="-228600" algn="l" defTabSz="914400" rtl="0" eaLnBrk="1" latinLnBrk="1" hangingPunct="1">
-              <a:lnSpc>
-                <a:spcPct val="90000"/>
-              </a:lnSpc>
-              <a:spcBef>
-                <a:spcPts val="500"/>
-              </a:spcBef>
-              <a:buFont typeface="Arial" panose="020B0604020202020204" pitchFamily="34" charset="0"/>
-              <a:buChar char="•"/>
-              <a:defRPr sz="1800" kern="1200">
-                <a:solidFill>
-                  <a:schemeClr val="tx1"/>
-                </a:solidFill>
-                <a:latin typeface="+mn-lt"/>
-                <a:ea typeface="+mn-ea"/>
-                <a:cs typeface="+mn-cs"/>
-              </a:defRPr>
-            </a:lvl5pPr>
-            <a:lvl6pPr marL="2514600" indent="-228600" algn="l" defTabSz="914400" rtl="0" eaLnBrk="1" latinLnBrk="1" hangingPunct="1">
-              <a:lnSpc>
-                <a:spcPct val="90000"/>
-              </a:lnSpc>
-              <a:spcBef>
-                <a:spcPts val="500"/>
-              </a:spcBef>
-              <a:buFont typeface="Arial" panose="020B0604020202020204" pitchFamily="34" charset="0"/>
-              <a:buChar char="•"/>
-              <a:defRPr sz="1800" kern="1200">
-                <a:solidFill>
-                  <a:schemeClr val="tx1"/>
-                </a:solidFill>
-                <a:latin typeface="+mn-lt"/>
-                <a:ea typeface="+mn-ea"/>
-                <a:cs typeface="+mn-cs"/>
-              </a:defRPr>
-            </a:lvl6pPr>
-            <a:lvl7pPr marL="2971800" indent="-228600" algn="l" defTabSz="914400" rtl="0" eaLnBrk="1" latinLnBrk="1" hangingPunct="1">
-              <a:lnSpc>
-                <a:spcPct val="90000"/>
-              </a:lnSpc>
-              <a:spcBef>
-                <a:spcPts val="500"/>
-              </a:spcBef>
-              <a:buFont typeface="Arial" panose="020B0604020202020204" pitchFamily="34" charset="0"/>
-              <a:buChar char="•"/>
-              <a:defRPr sz="1800" kern="1200">
-                <a:solidFill>
-                  <a:schemeClr val="tx1"/>
-                </a:solidFill>
-                <a:latin typeface="+mn-lt"/>
-                <a:ea typeface="+mn-ea"/>
-                <a:cs typeface="+mn-cs"/>
-              </a:defRPr>
-            </a:lvl7pPr>
-            <a:lvl8pPr marL="3429000" indent="-228600" algn="l" defTabSz="914400" rtl="0" eaLnBrk="1" latinLnBrk="1" hangingPunct="1">
-              <a:lnSpc>
-                <a:spcPct val="90000"/>
-              </a:lnSpc>
-              <a:spcBef>
-                <a:spcPts val="500"/>
-              </a:spcBef>
-              <a:buFont typeface="Arial" panose="020B0604020202020204" pitchFamily="34" charset="0"/>
-              <a:buChar char="•"/>
-              <a:defRPr sz="1800" kern="1200">
-                <a:solidFill>
-                  <a:schemeClr val="tx1"/>
-                </a:solidFill>
-                <a:latin typeface="+mn-lt"/>
-                <a:ea typeface="+mn-ea"/>
-                <a:cs typeface="+mn-cs"/>
-              </a:defRPr>
-            </a:lvl8pPr>
-            <a:lvl9pPr marL="3886200" indent="-228600" algn="l" defTabSz="914400" rtl="0" eaLnBrk="1" latinLnBrk="1" hangingPunct="1">
-              <a:lnSpc>
-                <a:spcPct val="90000"/>
-              </a:lnSpc>
-              <a:spcBef>
-                <a:spcPts val="500"/>
-              </a:spcBef>
-              <a:buFont typeface="Arial" panose="020B0604020202020204" pitchFamily="34" charset="0"/>
-              <a:buChar char="•"/>
-              <a:defRPr sz="1800" kern="1200">
-                <a:solidFill>
-                  <a:schemeClr val="tx1"/>
-                </a:solidFill>
-                <a:latin typeface="+mn-lt"/>
-                <a:ea typeface="+mn-ea"/>
-                <a:cs typeface="+mn-cs"/>
-              </a:defRPr>
-            </a:lvl9pPr>
-          </a:lstStyle>
-          <a:p>
-            <a:pPr marL="0" indent="0">
-              <a:buNone/>
-            </a:pPr>
-            <a:r>
-              <a:rPr lang="ko-KR" altLang="en-US" dirty="0" smtClean="0"/>
-              <a:t>트리거 </a:t>
-            </a:r>
-            <a:r>
-              <a:rPr lang="en-US" altLang="ko-KR" dirty="0" smtClean="0"/>
-              <a:t>- </a:t>
-            </a:r>
-            <a:r>
-              <a:rPr lang="ko-KR" altLang="en-US" dirty="0" smtClean="0"/>
-              <a:t>조건</a:t>
-            </a:r>
-            <a:endParaRPr lang="en-US" altLang="ko-KR" dirty="0" smtClean="0"/>
-          </a:p>
-          <a:p>
-            <a:pPr marL="0" indent="0">
-              <a:buNone/>
-            </a:pPr>
-            <a:r>
-              <a:rPr lang="en-US" altLang="ko-KR" dirty="0" smtClean="0"/>
-              <a:t> - </a:t>
-            </a:r>
-            <a:r>
-              <a:rPr lang="ko-KR" altLang="en-US" dirty="0" smtClean="0"/>
-              <a:t>트리거 내에서 </a:t>
-            </a:r>
-            <a:r>
-              <a:rPr lang="ko-KR" altLang="en-US" dirty="0" err="1" smtClean="0"/>
-              <a:t>조건문</a:t>
-            </a:r>
-            <a:r>
-              <a:rPr lang="ko-KR" altLang="en-US" dirty="0" smtClean="0"/>
-              <a:t> </a:t>
-            </a:r>
-            <a:r>
-              <a:rPr lang="en-US" altLang="ko-KR" dirty="0" smtClean="0"/>
-              <a:t>(</a:t>
-            </a:r>
-            <a:r>
-              <a:rPr lang="en-US" altLang="ko-KR" dirty="0"/>
-              <a:t> </a:t>
-            </a:r>
-            <a:r>
-              <a:rPr lang="en-US" altLang="ko-KR" dirty="0" smtClean="0"/>
-              <a:t>IF, ELSEIF, ELSE )</a:t>
-            </a:r>
-            <a:r>
-              <a:rPr lang="ko-KR" altLang="en-US" dirty="0" smtClean="0"/>
-              <a:t>을 사용할 수 있다</a:t>
-            </a:r>
-            <a:r>
-              <a:rPr lang="en-US" altLang="ko-KR" dirty="0" smtClean="0"/>
-              <a:t>.</a:t>
-            </a:r>
-          </a:p>
-          <a:p>
-            <a:pPr marL="0" indent="0">
-              <a:buNone/>
-            </a:pPr>
-            <a:r>
-              <a:rPr lang="en-US" altLang="ko-KR" dirty="0"/>
-              <a:t> </a:t>
-            </a:r>
-            <a:endParaRPr lang="en-US" altLang="ko-KR" dirty="0" smtClean="0"/>
-          </a:p>
-          <a:p>
-            <a:pPr marL="0" indent="0">
-              <a:buNone/>
-            </a:pPr>
-            <a:r>
-              <a:rPr lang="en-US" altLang="ko-KR" dirty="0"/>
-              <a:t> </a:t>
-            </a:r>
-            <a:r>
-              <a:rPr lang="en-US" altLang="ko-KR" dirty="0" smtClean="0"/>
-              <a:t>- </a:t>
-            </a:r>
-            <a:r>
-              <a:rPr lang="ko-KR" altLang="en-US" dirty="0" smtClean="0"/>
-              <a:t>변수</a:t>
-            </a:r>
-            <a:r>
-              <a:rPr lang="en-US" altLang="ko-KR" dirty="0" smtClean="0"/>
-              <a:t>, OLD.</a:t>
-            </a:r>
-            <a:r>
-              <a:rPr lang="ko-KR" altLang="en-US" dirty="0" smtClean="0"/>
-              <a:t>컬럼</a:t>
-            </a:r>
-            <a:r>
-              <a:rPr lang="en-US" altLang="ko-KR" dirty="0" smtClean="0"/>
-              <a:t>, NEW.</a:t>
-            </a:r>
-            <a:r>
-              <a:rPr lang="ko-KR" altLang="en-US" dirty="0" smtClean="0"/>
-              <a:t>컬럼 모두 사용 가능하며 비교</a:t>
-            </a:r>
-            <a:r>
-              <a:rPr lang="en-US" altLang="ko-KR" dirty="0" smtClean="0"/>
-              <a:t>, </a:t>
-            </a:r>
-            <a:r>
-              <a:rPr lang="ko-KR" altLang="en-US" dirty="0" smtClean="0"/>
-              <a:t>연산 할 수 있다</a:t>
-            </a:r>
-            <a:r>
-              <a:rPr lang="en-US" altLang="ko-KR" dirty="0" smtClean="0"/>
-              <a:t>.</a:t>
-            </a:r>
-          </a:p>
-          <a:p>
-            <a:pPr marL="0" indent="0">
-              <a:buNone/>
-            </a:pPr>
-            <a:endParaRPr lang="en-US" altLang="ko-KR" dirty="0"/>
-          </a:p>
-          <a:p>
-            <a:pPr marL="0" indent="0">
-              <a:buNone/>
-            </a:pPr>
-            <a:r>
-              <a:rPr lang="en-US" altLang="ko-KR" dirty="0" smtClean="0"/>
-              <a:t> - OLD.</a:t>
-            </a:r>
-            <a:r>
-              <a:rPr lang="ko-KR" altLang="en-US" dirty="0" smtClean="0"/>
-              <a:t>컬럼</a:t>
-            </a:r>
-            <a:r>
-              <a:rPr lang="en-US" altLang="ko-KR" dirty="0" smtClean="0"/>
-              <a:t>, NEW.</a:t>
-            </a:r>
-            <a:r>
-              <a:rPr lang="ko-KR" altLang="en-US" dirty="0" smtClean="0"/>
-              <a:t>컬럼에 대입은 불가</a:t>
-            </a:r>
-            <a:r>
-              <a:rPr lang="en-US" altLang="ko-KR" dirty="0" smtClean="0"/>
-              <a:t>.</a:t>
-            </a:r>
-          </a:p>
-        </p:txBody>
-      </p:sp>
+      </p:pic>
     </p:spTree>
     <p:extLst>
       <p:ext uri="{BB962C8B-B14F-4D97-AF65-F5344CB8AC3E}">
-        <p14:creationId xmlns:p14="http://schemas.microsoft.com/office/powerpoint/2010/main" val="304420404"/>
+        <p14:creationId xmlns:p14="http://schemas.microsoft.com/office/powerpoint/2010/main" val="1534581382"/>
       </p:ext>
     </p:extLst>
   </p:cSld>
   <p:clrMapOvr>
     <a:masterClrMapping/>
   </p:clrMapOvr>
+  <p:timing>
+    <p:tnLst>
+      <p:par>
+        <p:cTn id="1" dur="indefinite" restart="never" nodeType="tmRoot"/>
+      </p:par>
+    </p:tnLst>
+  </p:timing>
 </p:sld>
 </file>
 
@@ -11214,7 +11149,44 @@
             </a:r>
             <a:r>
               <a:rPr lang="ko-KR" altLang="en-US" dirty="0" smtClean="0"/>
-              <a:t>예시</a:t>
+              <a:t>트리거 내에서 </a:t>
+            </a:r>
+            <a:r>
+              <a:rPr lang="ko-KR" altLang="en-US" dirty="0" err="1" smtClean="0"/>
+              <a:t>조건문</a:t>
+            </a:r>
+            <a:r>
+              <a:rPr lang="ko-KR" altLang="en-US" dirty="0" smtClean="0"/>
+              <a:t> </a:t>
+            </a:r>
+            <a:r>
+              <a:rPr lang="en-US" altLang="ko-KR" dirty="0" smtClean="0"/>
+              <a:t>(</a:t>
+            </a:r>
+            <a:r>
+              <a:rPr lang="en-US" altLang="ko-KR" dirty="0"/>
+              <a:t> </a:t>
+            </a:r>
+            <a:r>
+              <a:rPr lang="en-US" altLang="ko-KR" dirty="0" smtClean="0"/>
+              <a:t>IF, ELSEIF, ELSE )</a:t>
+            </a:r>
+            <a:r>
+              <a:rPr lang="ko-KR" altLang="en-US" dirty="0" smtClean="0"/>
+              <a:t>을 사용할 수 있다</a:t>
+            </a:r>
+            <a:r>
+              <a:rPr lang="en-US" altLang="ko-KR" dirty="0" smtClean="0"/>
+              <a:t>.</a:t>
+            </a:r>
+          </a:p>
+          <a:p>
+            <a:pPr marL="0" indent="0">
+              <a:buNone/>
+            </a:pPr>
+            <a:r>
+              <a:rPr lang="en-US" altLang="ko-KR" dirty="0"/>
+              <a:t> </a:t>
             </a:r>
             <a:endParaRPr lang="en-US" altLang="ko-KR" dirty="0" smtClean="0"/>
           </a:p>
@@ -11223,121 +11195,96 @@
               <a:buNone/>
             </a:pPr>
             <a:r>
-              <a:rPr lang="en-US" altLang="ko-KR" sz="1800" dirty="0"/>
-              <a:t>delimiter //</a:t>
+              <a:rPr lang="en-US" altLang="ko-KR" dirty="0"/>
+              <a:t> </a:t>
+            </a:r>
+            <a:r>
+              <a:rPr lang="en-US" altLang="ko-KR" dirty="0" smtClean="0"/>
+              <a:t>- </a:t>
+            </a:r>
+            <a:r>
+              <a:rPr lang="ko-KR" altLang="en-US" dirty="0" smtClean="0"/>
+              <a:t>변수</a:t>
+            </a:r>
+            <a:r>
+              <a:rPr lang="en-US" altLang="ko-KR" dirty="0" smtClean="0"/>
+              <a:t>, OLD.</a:t>
+            </a:r>
+            <a:r>
+              <a:rPr lang="ko-KR" altLang="en-US" dirty="0" smtClean="0"/>
+              <a:t>컬럼</a:t>
+            </a:r>
+            <a:r>
+              <a:rPr lang="en-US" altLang="ko-KR" dirty="0" smtClean="0"/>
+              <a:t>, NEW.</a:t>
+            </a:r>
+            <a:r>
+              <a:rPr lang="ko-KR" altLang="en-US" dirty="0" smtClean="0"/>
+              <a:t>컬럼 모두 사용 가능하며 비교</a:t>
+            </a:r>
+            <a:r>
+              <a:rPr lang="en-US" altLang="ko-KR" dirty="0" smtClean="0"/>
+              <a:t>, </a:t>
+            </a:r>
+            <a:r>
+              <a:rPr lang="ko-KR" altLang="en-US" dirty="0" smtClean="0"/>
+              <a:t>연산 할 수 있다</a:t>
+            </a:r>
+            <a:r>
+              <a:rPr lang="en-US" altLang="ko-KR" dirty="0" smtClean="0"/>
+              <a:t>.</a:t>
             </a:r>
           </a:p>
           <a:p>
             <a:pPr marL="0" indent="0">
               <a:buNone/>
             </a:pPr>
-            <a:r>
-              <a:rPr lang="en-US" altLang="ko-KR" sz="1800" dirty="0"/>
-              <a:t>CREATE TRIGGER </a:t>
-            </a:r>
-            <a:r>
-              <a:rPr lang="en-US" altLang="ko-KR" sz="1800" dirty="0" err="1"/>
-              <a:t>customer_update_history</a:t>
-            </a:r>
-            <a:endParaRPr lang="en-US" altLang="ko-KR" sz="1800" dirty="0"/>
+            <a:endParaRPr lang="en-US" altLang="ko-KR" dirty="0"/>
           </a:p>
           <a:p>
             <a:pPr marL="0" indent="0">
               <a:buNone/>
             </a:pPr>
             <a:r>
-              <a:rPr lang="en-US" altLang="ko-KR" sz="1800" dirty="0"/>
-              <a:t>   BEFORE UPDATE</a:t>
-            </a:r>
-          </a:p>
-          <a:p>
-            <a:pPr marL="0" indent="0">
-              <a:buNone/>
-            </a:pPr>
-            <a:r>
-              <a:rPr lang="en-US" altLang="ko-KR" sz="1800" dirty="0"/>
-              <a:t>   ON customer FOR EACH ROW</a:t>
-            </a:r>
-          </a:p>
-          <a:p>
-            <a:pPr marL="0" indent="0">
-              <a:buNone/>
-            </a:pPr>
-            <a:r>
-              <a:rPr lang="en-US" altLang="ko-KR" sz="1800" dirty="0"/>
-              <a:t>   BEGIN</a:t>
-            </a:r>
-          </a:p>
-          <a:p>
-            <a:pPr marL="0" indent="0">
-              <a:buNone/>
-            </a:pPr>
-            <a:r>
-              <a:rPr lang="en-US" altLang="ko-KR" sz="1800" dirty="0"/>
-              <a:t>   DECLARE </a:t>
-            </a:r>
-            <a:r>
-              <a:rPr lang="en-US" altLang="ko-KR" sz="1800" dirty="0" err="1"/>
-              <a:t>total_count</a:t>
-            </a:r>
-            <a:r>
-              <a:rPr lang="en-US" altLang="ko-KR" sz="1800" dirty="0"/>
-              <a:t> </a:t>
-            </a:r>
-            <a:r>
-              <a:rPr lang="en-US" altLang="ko-KR" sz="1800" dirty="0" err="1"/>
-              <a:t>int</a:t>
-            </a:r>
-            <a:r>
-              <a:rPr lang="en-US" altLang="ko-KR" sz="1800" dirty="0"/>
-              <a:t>;</a:t>
-            </a:r>
-          </a:p>
-          <a:p>
-            <a:pPr marL="0" indent="0">
-              <a:buNone/>
-            </a:pPr>
-            <a:endParaRPr lang="en-US" altLang="ko-KR" sz="1400" dirty="0" smtClean="0"/>
-          </a:p>
-          <a:p>
-            <a:pPr marL="0" indent="0">
-              <a:buNone/>
-            </a:pPr>
-            <a:r>
-              <a:rPr lang="en-US" altLang="ko-KR" sz="1600" dirty="0" smtClean="0"/>
-              <a:t>   </a:t>
-            </a:r>
-            <a:r>
-              <a:rPr lang="en-US" altLang="ko-KR" sz="1600" dirty="0"/>
-              <a:t>SELECT COUNT(*) INTO </a:t>
-            </a:r>
-            <a:r>
-              <a:rPr lang="en-US" altLang="ko-KR" sz="1600" dirty="0" err="1"/>
-              <a:t>total_count</a:t>
-            </a:r>
-            <a:r>
-              <a:rPr lang="en-US" altLang="ko-KR" sz="1600" dirty="0"/>
-              <a:t> FROM customer;</a:t>
-            </a:r>
-          </a:p>
-          <a:p>
-            <a:pPr marL="0" indent="0">
-              <a:buNone/>
-            </a:pPr>
-            <a:endParaRPr lang="en-US" altLang="ko-KR" sz="1400" dirty="0"/>
+              <a:rPr lang="en-US" altLang="ko-KR" dirty="0" smtClean="0"/>
+              <a:t> - OLD.</a:t>
+            </a:r>
+            <a:r>
+              <a:rPr lang="ko-KR" altLang="en-US" dirty="0" smtClean="0"/>
+              <a:t>컬럼</a:t>
+            </a:r>
+            <a:r>
+              <a:rPr lang="en-US" altLang="ko-KR" dirty="0" smtClean="0"/>
+              <a:t>, NEW.</a:t>
+            </a:r>
+            <a:r>
+              <a:rPr lang="ko-KR" altLang="en-US" dirty="0" smtClean="0"/>
+              <a:t>컬럼에 대입은 불가</a:t>
+            </a:r>
+            <a:r>
+              <a:rPr lang="en-US" altLang="ko-KR" dirty="0" smtClean="0"/>
+              <a:t>.</a:t>
+            </a:r>
           </a:p>
         </p:txBody>
       </p:sp>
     </p:spTree>
     <p:extLst>
       <p:ext uri="{BB962C8B-B14F-4D97-AF65-F5344CB8AC3E}">
-        <p14:creationId xmlns:p14="http://schemas.microsoft.com/office/powerpoint/2010/main" val="3775562686"/>
+        <p14:creationId xmlns:p14="http://schemas.microsoft.com/office/powerpoint/2010/main" val="304420404"/>
       </p:ext>
     </p:extLst>
   </p:cSld>
   <p:clrMapOvr>
     <a:masterClrMapping/>
   </p:clrMapOvr>
+  <p:timing>
+    <p:tnLst>
+      <p:par>
+        <p:cTn id="1" dur="indefinite" restart="never" nodeType="tmRoot"/>
+      </p:par>
+    </p:tnLst>
+  </p:timing>
 </p:sld>
 </file>
 
@@ -11621,26 +11568,65 @@
               <a:rPr lang="ko-KR" altLang="en-US" dirty="0" smtClean="0"/>
               <a:t>예시</a:t>
             </a:r>
-            <a:r>
-              <a:rPr lang="en-US" altLang="ko-KR" dirty="0" smtClean="0"/>
-              <a:t>(</a:t>
-            </a:r>
-            <a:r>
-              <a:rPr lang="ko-KR" altLang="en-US" dirty="0" smtClean="0"/>
-              <a:t>계속</a:t>
-            </a:r>
-            <a:r>
-              <a:rPr lang="en-US" altLang="ko-KR" dirty="0" smtClean="0"/>
-              <a:t>)</a:t>
-            </a:r>
+            <a:endParaRPr lang="en-US" altLang="ko-KR" dirty="0" smtClean="0"/>
           </a:p>
           <a:p>
             <a:pPr marL="0" indent="0">
               <a:buNone/>
             </a:pPr>
             <a:r>
-              <a:rPr lang="en-US" altLang="ko-KR" sz="1800" dirty="0" smtClean="0"/>
-              <a:t>   IF </a:t>
+              <a:rPr lang="en-US" altLang="ko-KR" sz="1800" dirty="0"/>
+              <a:t>delimiter //</a:t>
+            </a:r>
+          </a:p>
+          <a:p>
+            <a:pPr marL="0" indent="0">
+              <a:buNone/>
+            </a:pPr>
+            <a:r>
+              <a:rPr lang="en-US" altLang="ko-KR" sz="1800" dirty="0"/>
+              <a:t>CREATE TRIGGER </a:t>
+            </a:r>
+            <a:r>
+              <a:rPr lang="en-US" altLang="ko-KR" sz="1800" dirty="0" err="1"/>
+              <a:t>customer_update_history</a:t>
+            </a:r>
+            <a:endParaRPr lang="en-US" altLang="ko-KR" sz="1800" dirty="0"/>
+          </a:p>
+          <a:p>
+            <a:pPr marL="0" indent="0">
+              <a:buNone/>
+            </a:pPr>
+            <a:r>
+              <a:rPr lang="en-US" altLang="ko-KR" sz="1800" dirty="0"/>
+              <a:t>   BEFORE UPDATE</a:t>
+            </a:r>
+          </a:p>
+          <a:p>
+            <a:pPr marL="0" indent="0">
+              <a:buNone/>
+            </a:pPr>
+            <a:r>
+              <a:rPr lang="en-US" altLang="ko-KR" sz="1800" dirty="0"/>
+              <a:t>   ON customer FOR EACH ROW</a:t>
+            </a:r>
+          </a:p>
+          <a:p>
+            <a:pPr marL="0" indent="0">
+              <a:buNone/>
+            </a:pPr>
+            <a:r>
+              <a:rPr lang="en-US" altLang="ko-KR" sz="1800" dirty="0"/>
+              <a:t>   BEGIN</a:t>
+            </a:r>
+          </a:p>
+          <a:p>
+            <a:pPr marL="0" indent="0">
+              <a:buNone/>
+            </a:pPr>
+            <a:r>
+              <a:rPr lang="en-US" altLang="ko-KR" sz="1800" dirty="0"/>
+              <a:t>   DECLARE </a:t>
             </a:r>
             <a:r>
               <a:rPr lang="en-US" altLang="ko-KR" sz="1800" dirty="0" err="1"/>
@@ -11648,244 +11634,48 @@
             </a:r>
             <a:r>
               <a:rPr lang="en-US" altLang="ko-KR" sz="1800" dirty="0"/>
-              <a:t> &gt; 20 THEN</a:t>
+              <a:t> </a:t>
+            </a:r>
+            <a:r>
+              <a:rPr lang="en-US" altLang="ko-KR" sz="1800" dirty="0" err="1"/>
+              <a:t>int</a:t>
+            </a:r>
+            <a:r>
+              <a:rPr lang="en-US" altLang="ko-KR" sz="1800" dirty="0"/>
+              <a:t>;</a:t>
             </a:r>
           </a:p>
           <a:p>
             <a:pPr marL="0" indent="0">
               <a:buNone/>
             </a:pPr>
-            <a:r>
-              <a:rPr lang="en-US" altLang="ko-KR" sz="1800" dirty="0"/>
-              <a:t>       SET </a:t>
-            </a:r>
-            <a:r>
-              <a:rPr lang="en-US" altLang="ko-KR" sz="1800" dirty="0" err="1"/>
+            <a:endParaRPr lang="en-US" altLang="ko-KR" sz="1400" dirty="0" smtClean="0"/>
+          </a:p>
+          <a:p>
+            <a:pPr marL="0" indent="0">
+              <a:buNone/>
+            </a:pPr>
+            <a:r>
+              <a:rPr lang="en-US" altLang="ko-KR" sz="1600" dirty="0" smtClean="0"/>
+              <a:t>   </a:t>
+            </a:r>
+            <a:r>
+              <a:rPr lang="en-US" altLang="ko-KR" sz="1600" dirty="0"/>
+              <a:t>SELECT COUNT(*) INTO </a:t>
+            </a:r>
+            <a:r>
+              <a:rPr lang="en-US" altLang="ko-KR" sz="1600" dirty="0" err="1"/>
               <a:t>total_count</a:t>
             </a:r>
             <a:r>
-              <a:rPr lang="en-US" altLang="ko-KR" sz="1800" dirty="0"/>
-              <a:t> = 0;</a:t>
+              <a:rPr lang="en-US" altLang="ko-KR" sz="1600" dirty="0"/>
+              <a:t> FROM customer;</a:t>
             </a:r>
           </a:p>
           <a:p>
             <a:pPr marL="0" indent="0">
               <a:buNone/>
             </a:pPr>
-            <a:r>
-              <a:rPr lang="en-US" altLang="ko-KR" sz="1800" dirty="0"/>
-              <a:t>   ELSEIF </a:t>
-            </a:r>
-            <a:r>
-              <a:rPr lang="en-US" altLang="ko-KR" sz="1800" dirty="0" err="1"/>
-              <a:t>total_count</a:t>
-            </a:r>
-            <a:r>
-              <a:rPr lang="en-US" altLang="ko-KR" sz="1800" dirty="0"/>
-              <a:t> = 30 THEN</a:t>
-            </a:r>
-          </a:p>
-          <a:p>
-            <a:pPr marL="0" indent="0">
-              <a:buNone/>
-            </a:pPr>
-            <a:r>
-              <a:rPr lang="en-US" altLang="ko-KR" sz="1800" dirty="0"/>
-              <a:t>       SET </a:t>
-            </a:r>
-            <a:r>
-              <a:rPr lang="en-US" altLang="ko-KR" sz="1800" dirty="0" err="1"/>
-              <a:t>total_count</a:t>
-            </a:r>
-            <a:r>
-              <a:rPr lang="en-US" altLang="ko-KR" sz="1800" dirty="0"/>
-              <a:t> = 1;</a:t>
-            </a:r>
-          </a:p>
-          <a:p>
-            <a:pPr marL="0" indent="0">
-              <a:buNone/>
-            </a:pPr>
-            <a:r>
-              <a:rPr lang="en-US" altLang="ko-KR" sz="1800" dirty="0"/>
-              <a:t>   ELSE</a:t>
-            </a:r>
-          </a:p>
-          <a:p>
-            <a:pPr marL="0" indent="0">
-              <a:buNone/>
-            </a:pPr>
-            <a:r>
-              <a:rPr lang="en-US" altLang="ko-KR" sz="1800" dirty="0"/>
-              <a:t>       SET </a:t>
-            </a:r>
-            <a:r>
-              <a:rPr lang="en-US" altLang="ko-KR" sz="1800" dirty="0" err="1"/>
-              <a:t>total_count</a:t>
-            </a:r>
-            <a:r>
-              <a:rPr lang="en-US" altLang="ko-KR" sz="1800" dirty="0"/>
-              <a:t> = 3;</a:t>
-            </a:r>
-          </a:p>
-          <a:p>
-            <a:pPr marL="0" indent="0">
-              <a:buNone/>
-            </a:pPr>
-            <a:r>
-              <a:rPr lang="en-US" altLang="ko-KR" sz="1800" dirty="0"/>
-              <a:t>   END IF;</a:t>
-            </a:r>
-          </a:p>
-          <a:p>
-            <a:pPr marL="0" indent="0">
-              <a:buNone/>
-            </a:pPr>
-            <a:endParaRPr lang="en-US" altLang="ko-KR" sz="1800" dirty="0"/>
-          </a:p>
-          <a:p>
-            <a:pPr marL="0" indent="0">
-              <a:buNone/>
-            </a:pPr>
-            <a:r>
-              <a:rPr lang="en-US" altLang="ko-KR" sz="1800" dirty="0"/>
-              <a:t>   </a:t>
-            </a:r>
-            <a:r>
-              <a:rPr lang="en-US" altLang="ko-KR" sz="1800" dirty="0" smtClean="0"/>
-              <a:t>INSERT </a:t>
-            </a:r>
-            <a:r>
-              <a:rPr lang="en-US" altLang="ko-KR" sz="1800" dirty="0"/>
-              <a:t>INTO </a:t>
-            </a:r>
-            <a:r>
-              <a:rPr lang="en-US" altLang="ko-KR" sz="1800" dirty="0" err="1"/>
-              <a:t>customer_history</a:t>
-            </a:r>
-            <a:r>
-              <a:rPr lang="en-US" altLang="ko-KR" sz="1800" dirty="0"/>
-              <a:t>(</a:t>
-            </a:r>
-            <a:r>
-              <a:rPr lang="en-US" altLang="ko-KR" sz="1800" dirty="0" err="1"/>
-              <a:t>c_id</a:t>
-            </a:r>
-            <a:r>
-              <a:rPr lang="en-US" altLang="ko-KR" sz="1800" dirty="0"/>
-              <a:t>, </a:t>
-            </a:r>
-            <a:r>
-              <a:rPr lang="en-US" altLang="ko-KR" sz="1800" dirty="0" err="1"/>
-              <a:t>c_name</a:t>
-            </a:r>
-            <a:r>
-              <a:rPr lang="en-US" altLang="ko-KR" sz="1800" dirty="0"/>
-              <a:t>, </a:t>
-            </a:r>
-            <a:r>
-              <a:rPr lang="en-US" altLang="ko-KR" sz="1800" dirty="0" err="1"/>
-              <a:t>c_mobile</a:t>
-            </a:r>
-            <a:r>
-              <a:rPr lang="en-US" altLang="ko-KR" sz="1800" dirty="0"/>
-              <a:t>, level, </a:t>
-            </a:r>
-            <a:r>
-              <a:rPr lang="en-US" altLang="ko-KR" sz="1800" dirty="0" err="1"/>
-              <a:t>zipcode</a:t>
-            </a:r>
-            <a:r>
-              <a:rPr lang="en-US" altLang="ko-KR" sz="1800" dirty="0"/>
-              <a:t>, age)</a:t>
-            </a:r>
-          </a:p>
-          <a:p>
-            <a:pPr marL="0" indent="0">
-              <a:buNone/>
-            </a:pPr>
-            <a:r>
-              <a:rPr lang="en-US" altLang="ko-KR" sz="1800" dirty="0"/>
-              <a:t>   </a:t>
-            </a:r>
-            <a:r>
-              <a:rPr lang="en-US" altLang="ko-KR" sz="1800" dirty="0" smtClean="0"/>
-              <a:t>VALUES(</a:t>
-            </a:r>
-            <a:r>
-              <a:rPr lang="en-US" altLang="ko-KR" sz="1800" dirty="0" err="1" smtClean="0"/>
-              <a:t>NEW.c_id</a:t>
-            </a:r>
-            <a:r>
-              <a:rPr lang="en-US" altLang="ko-KR" sz="1800" dirty="0"/>
-              <a:t>, </a:t>
-            </a:r>
-            <a:r>
-              <a:rPr lang="en-US" altLang="ko-KR" sz="1800" dirty="0" err="1"/>
-              <a:t>NEW.c_name</a:t>
-            </a:r>
-            <a:r>
-              <a:rPr lang="en-US" altLang="ko-KR" sz="1800" dirty="0"/>
-              <a:t>, </a:t>
-            </a:r>
-            <a:r>
-              <a:rPr lang="en-US" altLang="ko-KR" sz="1800" dirty="0" err="1"/>
-              <a:t>NEW.c_mobile</a:t>
-            </a:r>
-            <a:r>
-              <a:rPr lang="en-US" altLang="ko-KR" sz="1800" dirty="0"/>
-              <a:t>, </a:t>
-            </a:r>
-            <a:r>
-              <a:rPr lang="en-US" altLang="ko-KR" sz="1800" dirty="0" err="1"/>
-              <a:t>NEW.level</a:t>
-            </a:r>
-            <a:r>
-              <a:rPr lang="en-US" altLang="ko-KR" sz="1800" dirty="0"/>
-              <a:t>, </a:t>
-            </a:r>
-            <a:r>
-              <a:rPr lang="en-US" altLang="ko-KR" sz="1800" dirty="0" err="1"/>
-              <a:t>NEW.zipcode</a:t>
-            </a:r>
-            <a:r>
-              <a:rPr lang="en-US" altLang="ko-KR" sz="1800" dirty="0"/>
-              <a:t>, </a:t>
-            </a:r>
-            <a:r>
-              <a:rPr lang="en-US" altLang="ko-KR" sz="1800" dirty="0" err="1"/>
-              <a:t>total_count</a:t>
-            </a:r>
-            <a:r>
-              <a:rPr lang="en-US" altLang="ko-KR" sz="1800" dirty="0"/>
-              <a:t>);</a:t>
-            </a:r>
-          </a:p>
-          <a:p>
-            <a:pPr marL="0" indent="0">
-              <a:buNone/>
-            </a:pPr>
-            <a:r>
-              <a:rPr lang="en-US" altLang="ko-KR" sz="1800" dirty="0"/>
-              <a:t> </a:t>
-            </a:r>
-            <a:r>
-              <a:rPr lang="en-US" altLang="ko-KR" sz="1800" dirty="0" smtClean="0"/>
-              <a:t>END</a:t>
-            </a:r>
-            <a:r>
-              <a:rPr lang="en-US" altLang="ko-KR" sz="1800" dirty="0"/>
-              <a:t>;//</a:t>
-            </a:r>
-          </a:p>
-          <a:p>
-            <a:pPr marL="0" indent="0">
-              <a:buNone/>
-            </a:pPr>
-            <a:r>
-              <a:rPr lang="en-US" altLang="ko-KR" sz="1800" dirty="0"/>
-              <a:t>delimiter ;</a:t>
-            </a:r>
             <a:endParaRPr lang="en-US" altLang="ko-KR" sz="1400" dirty="0"/>
           </a:p>
         </p:txBody>
@@ -11893,13 +11683,20 @@
     </p:spTree>
     <p:extLst>
       <p:ext uri="{BB962C8B-B14F-4D97-AF65-F5344CB8AC3E}">
-        <p14:creationId xmlns:p14="http://schemas.microsoft.com/office/powerpoint/2010/main" val="3207211119"/>
+        <p14:creationId xmlns:p14="http://schemas.microsoft.com/office/powerpoint/2010/main" val="3775562686"/>
       </p:ext>
     </p:extLst>
   </p:cSld>
   <p:clrMapOvr>
     <a:masterClrMapping/>
   </p:clrMapOvr>
+  <p:timing>
+    <p:tnLst>
+      <p:par>
+        <p:cTn id="1" dur="indefinite" restart="never" nodeType="tmRoot"/>
+      </p:par>
+    </p:tnLst>
+  </p:timing>
 </p:sld>
 </file>
 
@@ -12175,44 +11972,300 @@
             <a:pPr marL="0" indent="0">
               <a:buNone/>
             </a:pPr>
+            <a:r>
+              <a:rPr lang="en-US" altLang="ko-KR" dirty="0" smtClean="0"/>
+              <a:t> - </a:t>
+            </a:r>
+            <a:r>
+              <a:rPr lang="ko-KR" altLang="en-US" dirty="0" smtClean="0"/>
+              <a:t>예시</a:t>
+            </a:r>
+            <a:r>
+              <a:rPr lang="en-US" altLang="ko-KR" dirty="0" smtClean="0"/>
+              <a:t>(</a:t>
+            </a:r>
+            <a:r>
+              <a:rPr lang="ko-KR" altLang="en-US" dirty="0" smtClean="0"/>
+              <a:t>계속</a:t>
+            </a:r>
+            <a:r>
+              <a:rPr lang="en-US" altLang="ko-KR" dirty="0" smtClean="0"/>
+              <a:t>)</a:t>
+            </a:r>
+          </a:p>
+          <a:p>
+            <a:pPr marL="0" indent="0">
+              <a:buNone/>
+            </a:pPr>
+            <a:r>
+              <a:rPr lang="en-US" altLang="ko-KR" sz="1800" dirty="0" smtClean="0"/>
+              <a:t>   IF </a:t>
+            </a:r>
+            <a:r>
+              <a:rPr lang="en-US" altLang="ko-KR" sz="1800" dirty="0" err="1"/>
+              <a:t>total_count</a:t>
+            </a:r>
+            <a:r>
+              <a:rPr lang="en-US" altLang="ko-KR" sz="1800" dirty="0"/>
+              <a:t> &gt; 20 THEN</a:t>
+            </a:r>
+          </a:p>
+          <a:p>
+            <a:pPr marL="0" indent="0">
+              <a:buNone/>
+            </a:pPr>
+            <a:r>
+              <a:rPr lang="en-US" altLang="ko-KR" sz="1800" dirty="0"/>
+              <a:t>       SET </a:t>
+            </a:r>
+            <a:r>
+              <a:rPr lang="en-US" altLang="ko-KR" sz="1800" dirty="0" err="1"/>
+              <a:t>total_count</a:t>
+            </a:r>
+            <a:r>
+              <a:rPr lang="en-US" altLang="ko-KR" sz="1800" dirty="0"/>
+              <a:t> = 0;</a:t>
+            </a:r>
+          </a:p>
+          <a:p>
+            <a:pPr marL="0" indent="0">
+              <a:buNone/>
+            </a:pPr>
+            <a:r>
+              <a:rPr lang="en-US" altLang="ko-KR" sz="1800" dirty="0"/>
+              <a:t>   ELSEIF </a:t>
+            </a:r>
+            <a:r>
+              <a:rPr lang="en-US" altLang="ko-KR" sz="1800" dirty="0" err="1"/>
+              <a:t>total_count</a:t>
+            </a:r>
+            <a:r>
+              <a:rPr lang="en-US" altLang="ko-KR" sz="1800" dirty="0"/>
+              <a:t> = 30 THEN</a:t>
+            </a:r>
+          </a:p>
+          <a:p>
+            <a:pPr marL="0" indent="0">
+              <a:buNone/>
+            </a:pPr>
+            <a:r>
+              <a:rPr lang="en-US" altLang="ko-KR" sz="1800" dirty="0"/>
+              <a:t>       SET </a:t>
+            </a:r>
+            <a:r>
+              <a:rPr lang="en-US" altLang="ko-KR" sz="1800" dirty="0" err="1"/>
+              <a:t>total_count</a:t>
+            </a:r>
+            <a:r>
+              <a:rPr lang="en-US" altLang="ko-KR" sz="1800" dirty="0"/>
+              <a:t> = 1;</a:t>
+            </a:r>
+          </a:p>
+          <a:p>
+            <a:pPr marL="0" indent="0">
+              <a:buNone/>
+            </a:pPr>
+            <a:r>
+              <a:rPr lang="en-US" altLang="ko-KR" sz="1800" dirty="0"/>
+              <a:t>   ELSE</a:t>
+            </a:r>
+          </a:p>
+          <a:p>
+            <a:pPr marL="0" indent="0">
+              <a:buNone/>
+            </a:pPr>
+            <a:r>
+              <a:rPr lang="en-US" altLang="ko-KR" sz="1800" dirty="0"/>
+              <a:t>       SET </a:t>
+            </a:r>
+            <a:r>
+              <a:rPr lang="en-US" altLang="ko-KR" sz="1800" dirty="0" err="1"/>
+              <a:t>total_count</a:t>
+            </a:r>
+            <a:r>
+              <a:rPr lang="en-US" altLang="ko-KR" sz="1800" dirty="0"/>
+              <a:t> = 3;</a:t>
+            </a:r>
+          </a:p>
+          <a:p>
+            <a:pPr marL="0" indent="0">
+              <a:buNone/>
+            </a:pPr>
+            <a:r>
+              <a:rPr lang="en-US" altLang="ko-KR" sz="1800" dirty="0"/>
+              <a:t>   END IF;</a:t>
+            </a:r>
+          </a:p>
+          <a:p>
+            <a:pPr marL="0" indent="0">
+              <a:buNone/>
+            </a:pPr>
+            <a:endParaRPr lang="en-US" altLang="ko-KR" sz="1800" dirty="0"/>
+          </a:p>
+          <a:p>
+            <a:pPr marL="0" indent="0">
+              <a:buNone/>
+            </a:pPr>
+            <a:r>
+              <a:rPr lang="en-US" altLang="ko-KR" sz="1800" dirty="0"/>
+              <a:t>   </a:t>
+            </a:r>
+            <a:r>
+              <a:rPr lang="en-US" altLang="ko-KR" sz="1800" dirty="0" smtClean="0"/>
+              <a:t>INSERT </a:t>
+            </a:r>
+            <a:r>
+              <a:rPr lang="en-US" altLang="ko-KR" sz="1800" dirty="0"/>
+              <a:t>INTO </a:t>
+            </a:r>
+            <a:r>
+              <a:rPr lang="en-US" altLang="ko-KR" sz="1800" dirty="0" err="1"/>
+              <a:t>customer_history</a:t>
+            </a:r>
+            <a:r>
+              <a:rPr lang="en-US" altLang="ko-KR" sz="1800" dirty="0"/>
+              <a:t>(</a:t>
+            </a:r>
+            <a:r>
+              <a:rPr lang="en-US" altLang="ko-KR" sz="1800" dirty="0" err="1"/>
+              <a:t>c_id</a:t>
+            </a:r>
+            <a:r>
+              <a:rPr lang="en-US" altLang="ko-KR" sz="1800" dirty="0"/>
+              <a:t>, </a:t>
+            </a:r>
+            <a:r>
+              <a:rPr lang="en-US" altLang="ko-KR" sz="1800" dirty="0" err="1"/>
+              <a:t>c_name</a:t>
+            </a:r>
+            <a:r>
+              <a:rPr lang="en-US" altLang="ko-KR" sz="1800" dirty="0"/>
+              <a:t>, </a:t>
+            </a:r>
+            <a:r>
+              <a:rPr lang="en-US" altLang="ko-KR" sz="1800" dirty="0" err="1"/>
+              <a:t>c_mobile</a:t>
+            </a:r>
+            <a:r>
+              <a:rPr lang="en-US" altLang="ko-KR" sz="1800" dirty="0"/>
+              <a:t>, level, </a:t>
+            </a:r>
+            <a:r>
+              <a:rPr lang="en-US" altLang="ko-KR" sz="1800" dirty="0" err="1"/>
+              <a:t>zipcode</a:t>
+            </a:r>
+            <a:r>
+              <a:rPr lang="en-US" altLang="ko-KR" sz="1800" dirty="0"/>
+              <a:t>, age)</a:t>
+            </a:r>
+          </a:p>
+          <a:p>
+            <a:pPr marL="0" indent="0">
+              <a:buNone/>
+            </a:pPr>
+            <a:r>
+              <a:rPr lang="en-US" altLang="ko-KR" sz="1800" dirty="0"/>
+              <a:t>   </a:t>
+            </a:r>
+            <a:r>
+              <a:rPr lang="en-US" altLang="ko-KR" sz="1800" dirty="0" smtClean="0"/>
+              <a:t>VALUES(</a:t>
+            </a:r>
+            <a:r>
+              <a:rPr lang="en-US" altLang="ko-KR" sz="1800" dirty="0" err="1" smtClean="0"/>
+              <a:t>NEW.c_id</a:t>
+            </a:r>
+            <a:r>
+              <a:rPr lang="en-US" altLang="ko-KR" sz="1800" dirty="0"/>
+              <a:t>, </a:t>
+            </a:r>
+            <a:r>
+              <a:rPr lang="en-US" altLang="ko-KR" sz="1800" dirty="0" err="1"/>
+              <a:t>NEW.c_name</a:t>
+            </a:r>
+            <a:r>
+              <a:rPr lang="en-US" altLang="ko-KR" sz="1800" dirty="0"/>
+              <a:t>, </a:t>
+            </a:r>
+            <a:r>
+              <a:rPr lang="en-US" altLang="ko-KR" sz="1800" dirty="0" err="1"/>
+              <a:t>NEW.c_mobile</a:t>
+            </a:r>
+            <a:r>
+              <a:rPr lang="en-US" altLang="ko-KR" sz="1800" dirty="0"/>
+              <a:t>, </a:t>
+            </a:r>
+            <a:r>
+              <a:rPr lang="en-US" altLang="ko-KR" sz="1800" dirty="0" err="1"/>
+              <a:t>NEW.level</a:t>
+            </a:r>
+            <a:r>
+              <a:rPr lang="en-US" altLang="ko-KR" sz="1800" dirty="0"/>
+              <a:t>, </a:t>
+            </a:r>
+            <a:r>
+              <a:rPr lang="en-US" altLang="ko-KR" sz="1800" dirty="0" err="1"/>
+              <a:t>NEW.zipcode</a:t>
+            </a:r>
+            <a:r>
+              <a:rPr lang="en-US" altLang="ko-KR" sz="1800" dirty="0"/>
+              <a:t>, </a:t>
+            </a:r>
+            <a:r>
+              <a:rPr lang="en-US" altLang="ko-KR" sz="1800" dirty="0" err="1"/>
+              <a:t>total_count</a:t>
+            </a:r>
+            <a:r>
+              <a:rPr lang="en-US" altLang="ko-KR" sz="1800" dirty="0"/>
+              <a:t>);</a:t>
+            </a:r>
+          </a:p>
+          <a:p>
+            <a:pPr marL="0" indent="0">
+              <a:buNone/>
+            </a:pPr>
+            <a:r>
+              <a:rPr lang="en-US" altLang="ko-KR" sz="1800" dirty="0"/>
+              <a:t> </a:t>
+            </a:r>
+            <a:r>
+              <a:rPr lang="en-US" altLang="ko-KR" sz="1800" dirty="0" smtClean="0"/>
+              <a:t>END</a:t>
+            </a:r>
+            <a:r>
+              <a:rPr lang="en-US" altLang="ko-KR" sz="1800" dirty="0"/>
+              <a:t>;//</a:t>
+            </a:r>
+          </a:p>
+          <a:p>
+            <a:pPr marL="0" indent="0">
+              <a:buNone/>
+            </a:pPr>
+            <a:r>
+              <a:rPr lang="en-US" altLang="ko-KR" sz="1800" dirty="0"/>
+              <a:t>delimiter ;</a:t>
+            </a:r>
             <a:endParaRPr lang="en-US" altLang="ko-KR" sz="1400" dirty="0"/>
           </a:p>
         </p:txBody>
       </p:sp>
-      <p:pic>
-        <p:nvPicPr>
-          <p:cNvPr id="4" name="그림 3"/>
-          <p:cNvPicPr>
-            <a:picLocks noChangeAspect="1"/>
-          </p:cNvPicPr>
-          <p:nvPr/>
-        </p:nvPicPr>
-        <p:blipFill>
-          <a:blip r:embed="rId2"/>
-          <a:stretch>
-            <a:fillRect/>
-          </a:stretch>
-        </p:blipFill>
-        <p:spPr>
-          <a:xfrm>
-            <a:off x="3838150" y="417571"/>
-            <a:ext cx="8276634" cy="6378735"/>
-          </a:xfrm>
-          <a:prstGeom prst="rect">
-            <a:avLst/>
-          </a:prstGeom>
-        </p:spPr>
-      </p:pic>
     </p:spTree>
     <p:extLst>
       <p:ext uri="{BB962C8B-B14F-4D97-AF65-F5344CB8AC3E}">
-        <p14:creationId xmlns:p14="http://schemas.microsoft.com/office/powerpoint/2010/main" val="3031968081"/>
+        <p14:creationId xmlns:p14="http://schemas.microsoft.com/office/powerpoint/2010/main" val="3207211119"/>
       </p:ext>
     </p:extLst>
   </p:cSld>
   <p:clrMapOvr>
     <a:masterClrMapping/>
   </p:clrMapOvr>
+  <p:timing>
+    <p:tnLst>
+      <p:par>
+        <p:cTn id="1" dur="indefinite" restart="never" nodeType="tmRoot"/>
+      </p:par>
+    </p:tnLst>
+  </p:timing>
 </p:sld>
 </file>
 
@@ -12875,6 +12928,326 @@
             </a:pPr>
             <a:r>
               <a:rPr lang="ko-KR" altLang="en-US" dirty="0" smtClean="0"/>
+              <a:t>트리거 </a:t>
+            </a:r>
+            <a:r>
+              <a:rPr lang="en-US" altLang="ko-KR" dirty="0" smtClean="0"/>
+              <a:t>- </a:t>
+            </a:r>
+            <a:r>
+              <a:rPr lang="ko-KR" altLang="en-US" dirty="0" smtClean="0"/>
+              <a:t>조건</a:t>
+            </a:r>
+            <a:endParaRPr lang="en-US" altLang="ko-KR" dirty="0" smtClean="0"/>
+          </a:p>
+          <a:p>
+            <a:pPr marL="0" indent="0">
+              <a:buNone/>
+            </a:pPr>
+            <a:endParaRPr lang="en-US" altLang="ko-KR" sz="1400" dirty="0"/>
+          </a:p>
+        </p:txBody>
+      </p:sp>
+      <p:pic>
+        <p:nvPicPr>
+          <p:cNvPr id="4" name="그림 3"/>
+          <p:cNvPicPr>
+            <a:picLocks noChangeAspect="1"/>
+          </p:cNvPicPr>
+          <p:nvPr/>
+        </p:nvPicPr>
+        <p:blipFill>
+          <a:blip r:embed="rId2"/>
+          <a:stretch>
+            <a:fillRect/>
+          </a:stretch>
+        </p:blipFill>
+        <p:spPr>
+          <a:xfrm>
+            <a:off x="3838150" y="417571"/>
+            <a:ext cx="8276634" cy="6378735"/>
+          </a:xfrm>
+          <a:prstGeom prst="rect">
+            <a:avLst/>
+          </a:prstGeom>
+        </p:spPr>
+      </p:pic>
+    </p:spTree>
+    <p:extLst>
+      <p:ext uri="{BB962C8B-B14F-4D97-AF65-F5344CB8AC3E}">
+        <p14:creationId xmlns:p14="http://schemas.microsoft.com/office/powerpoint/2010/main" val="3031968081"/>
+      </p:ext>
+    </p:extLst>
+  </p:cSld>
+  <p:clrMapOvr>
+    <a:masterClrMapping/>
+  </p:clrMapOvr>
+  <p:timing>
+    <p:tnLst>
+      <p:par>
+        <p:cTn id="1" dur="indefinite" restart="never" nodeType="tmRoot"/>
+      </p:par>
+    </p:tnLst>
+  </p:timing>
+</p:sld>
+</file>
+
+<file path=ppt/slides/slide21.xml><?xml version="1.0" encoding="utf-8"?>
+<p:sld xmlns:a="http://schemas.openxmlformats.org/drawingml/2006/main" xmlns:r="http://schemas.openxmlformats.org/officeDocument/2006/relationships" xmlns:p="http://schemas.openxmlformats.org/presentationml/2006/main">
+  <p:cSld>
+    <p:spTree>
+      <p:nvGrpSpPr>
+        <p:cNvPr id="1" name=""/>
+        <p:cNvGrpSpPr/>
+        <p:nvPr/>
+      </p:nvGrpSpPr>
+      <p:grpSpPr>
+        <a:xfrm>
+          <a:off x="0" y="0"/>
+          <a:ext cx="0" cy="0"/>
+          <a:chOff x="0" y="0"/>
+          <a:chExt cx="0" cy="0"/>
+        </a:xfrm>
+      </p:grpSpPr>
+      <p:sp>
+        <p:nvSpPr>
+          <p:cNvPr id="2" name="도형 17"/>
+          <p:cNvSpPr>
+            <a:spLocks/>
+          </p:cNvSpPr>
+          <p:nvPr/>
+        </p:nvSpPr>
+        <p:spPr>
+          <a:xfrm>
+            <a:off x="765868" y="316230"/>
+            <a:ext cx="908390" cy="454292"/>
+          </a:xfrm>
+          <a:prstGeom prst="rect">
+            <a:avLst/>
+          </a:prstGeom>
+          <a:ln w="0">
+            <a:noFill/>
+            <a:prstDash/>
+          </a:ln>
+        </p:spPr>
+        <p:txBody>
+          <a:bodyPr vert="horz" wrap="none" lIns="91440" tIns="45720" rIns="91440" bIns="45720" numCol="1" anchor="t">
+            <a:spAutoFit/>
+          </a:bodyPr>
+          <a:lstStyle/>
+          <a:p>
+            <a:pPr marL="0" indent="0" latinLnBrk="0">
+              <a:lnSpc>
+                <a:spcPct val="150000"/>
+              </a:lnSpc>
+              <a:buFontTx/>
+              <a:buNone/>
+            </a:pPr>
+            <a:r>
+              <a:rPr lang="en-US" altLang="ko-KR" dirty="0">
+                <a:solidFill>
+                  <a:schemeClr val="bg1"/>
+                </a:solidFill>
+              </a:rPr>
+              <a:t>Trigger</a:t>
+            </a:r>
+            <a:endParaRPr lang="ko-KR" altLang="en-US" dirty="0">
+              <a:solidFill>
+                <a:schemeClr val="bg1"/>
+              </a:solidFill>
+            </a:endParaRPr>
+          </a:p>
+        </p:txBody>
+      </p:sp>
+      <p:sp>
+        <p:nvSpPr>
+          <p:cNvPr id="3" name="내용 개체 틀 2"/>
+          <p:cNvSpPr txBox="1">
+            <a:spLocks/>
+          </p:cNvSpPr>
+          <p:nvPr/>
+        </p:nvSpPr>
+        <p:spPr>
+          <a:xfrm>
+            <a:off x="457200" y="1199368"/>
+            <a:ext cx="11222182" cy="4525963"/>
+          </a:xfrm>
+          <a:prstGeom prst="rect">
+            <a:avLst/>
+          </a:prstGeom>
+        </p:spPr>
+        <p:txBody>
+          <a:bodyPr/>
+          <a:lstStyle>
+            <a:lvl1pPr marL="228600" indent="-228600" algn="l" defTabSz="914400" rtl="0" eaLnBrk="1" latinLnBrk="1" hangingPunct="1">
+              <a:lnSpc>
+                <a:spcPct val="90000"/>
+              </a:lnSpc>
+              <a:spcBef>
+                <a:spcPts val="1000"/>
+              </a:spcBef>
+              <a:buFont typeface="Arial" panose="020B0604020202020204" pitchFamily="34" charset="0"/>
+              <a:buChar char="•"/>
+              <a:defRPr sz="2800" kern="1200">
+                <a:solidFill>
+                  <a:schemeClr val="tx1"/>
+                </a:solidFill>
+                <a:latin typeface="+mn-lt"/>
+                <a:ea typeface="+mn-ea"/>
+                <a:cs typeface="+mn-cs"/>
+              </a:defRPr>
+            </a:lvl1pPr>
+            <a:lvl2pPr marL="685800" indent="-228600" algn="l" defTabSz="914400" rtl="0" eaLnBrk="1" latinLnBrk="1" hangingPunct="1">
+              <a:lnSpc>
+                <a:spcPct val="90000"/>
+              </a:lnSpc>
+              <a:spcBef>
+                <a:spcPts val="500"/>
+              </a:spcBef>
+              <a:buFont typeface="Arial" panose="020B0604020202020204" pitchFamily="34" charset="0"/>
+              <a:buChar char="•"/>
+              <a:defRPr sz="2400" kern="1200">
+                <a:solidFill>
+                  <a:schemeClr val="tx1"/>
+                </a:solidFill>
+                <a:latin typeface="+mn-lt"/>
+                <a:ea typeface="+mn-ea"/>
+                <a:cs typeface="+mn-cs"/>
+              </a:defRPr>
+            </a:lvl2pPr>
+            <a:lvl3pPr marL="1143000" indent="-228600" algn="l" defTabSz="914400" rtl="0" eaLnBrk="1" latinLnBrk="1" hangingPunct="1">
+              <a:lnSpc>
+                <a:spcPct val="90000"/>
+              </a:lnSpc>
+              <a:spcBef>
+                <a:spcPts val="500"/>
+              </a:spcBef>
+              <a:buFont typeface="Arial" panose="020B0604020202020204" pitchFamily="34" charset="0"/>
+              <a:buChar char="•"/>
+              <a:defRPr sz="2000" kern="1200">
+                <a:solidFill>
+                  <a:schemeClr val="tx1"/>
+                </a:solidFill>
+                <a:latin typeface="+mn-lt"/>
+                <a:ea typeface="+mn-ea"/>
+                <a:cs typeface="+mn-cs"/>
+              </a:defRPr>
+            </a:lvl3pPr>
+            <a:lvl4pPr marL="1600200" indent="-228600" algn="l" defTabSz="914400" rtl="0" eaLnBrk="1" latinLnBrk="1" hangingPunct="1">
+              <a:lnSpc>
+                <a:spcPct val="90000"/>
+              </a:lnSpc>
+              <a:spcBef>
+                <a:spcPts val="500"/>
+              </a:spcBef>
+              <a:buFont typeface="Arial" panose="020B0604020202020204" pitchFamily="34" charset="0"/>
+              <a:buChar char="•"/>
+              <a:defRPr sz="1800" kern="1200">
+                <a:solidFill>
+                  <a:schemeClr val="tx1"/>
+                </a:solidFill>
+                <a:latin typeface="+mn-lt"/>
+                <a:ea typeface="+mn-ea"/>
+                <a:cs typeface="+mn-cs"/>
+              </a:defRPr>
+            </a:lvl4pPr>
+            <a:lvl5pPr marL="2057400" indent="-228600" algn="l" defTabSz="914400" rtl="0" eaLnBrk="1" latinLnBrk="1" hangingPunct="1">
+              <a:lnSpc>
+                <a:spcPct val="90000"/>
+              </a:lnSpc>
+              <a:spcBef>
+                <a:spcPts val="500"/>
+              </a:spcBef>
+              <a:buFont typeface="Arial" panose="020B0604020202020204" pitchFamily="34" charset="0"/>
+              <a:buChar char="•"/>
+              <a:defRPr sz="1800" kern="1200">
+                <a:solidFill>
+                  <a:schemeClr val="tx1"/>
+                </a:solidFill>
+                <a:latin typeface="+mn-lt"/>
+                <a:ea typeface="+mn-ea"/>
+                <a:cs typeface="+mn-cs"/>
+              </a:defRPr>
+            </a:lvl5pPr>
+            <a:lvl6pPr marL="2514600" indent="-228600" algn="l" defTabSz="914400" rtl="0" eaLnBrk="1" latinLnBrk="1" hangingPunct="1">
+              <a:lnSpc>
+                <a:spcPct val="90000"/>
+              </a:lnSpc>
+              <a:spcBef>
+                <a:spcPts val="500"/>
+              </a:spcBef>
+              <a:buFont typeface="Arial" panose="020B0604020202020204" pitchFamily="34" charset="0"/>
+              <a:buChar char="•"/>
+              <a:defRPr sz="1800" kern="1200">
+                <a:solidFill>
+                  <a:schemeClr val="tx1"/>
+                </a:solidFill>
+                <a:latin typeface="+mn-lt"/>
+                <a:ea typeface="+mn-ea"/>
+                <a:cs typeface="+mn-cs"/>
+              </a:defRPr>
+            </a:lvl6pPr>
+            <a:lvl7pPr marL="2971800" indent="-228600" algn="l" defTabSz="914400" rtl="0" eaLnBrk="1" latinLnBrk="1" hangingPunct="1">
+              <a:lnSpc>
+                <a:spcPct val="90000"/>
+              </a:lnSpc>
+              <a:spcBef>
+                <a:spcPts val="500"/>
+              </a:spcBef>
+              <a:buFont typeface="Arial" panose="020B0604020202020204" pitchFamily="34" charset="0"/>
+              <a:buChar char="•"/>
+              <a:defRPr sz="1800" kern="1200">
+                <a:solidFill>
+                  <a:schemeClr val="tx1"/>
+                </a:solidFill>
+                <a:latin typeface="+mn-lt"/>
+                <a:ea typeface="+mn-ea"/>
+                <a:cs typeface="+mn-cs"/>
+              </a:defRPr>
+            </a:lvl7pPr>
+            <a:lvl8pPr marL="3429000" indent="-228600" algn="l" defTabSz="914400" rtl="0" eaLnBrk="1" latinLnBrk="1" hangingPunct="1">
+              <a:lnSpc>
+                <a:spcPct val="90000"/>
+              </a:lnSpc>
+              <a:spcBef>
+                <a:spcPts val="500"/>
+              </a:spcBef>
+              <a:buFont typeface="Arial" panose="020B0604020202020204" pitchFamily="34" charset="0"/>
+              <a:buChar char="•"/>
+              <a:defRPr sz="1800" kern="1200">
+                <a:solidFill>
+                  <a:schemeClr val="tx1"/>
+                </a:solidFill>
+                <a:latin typeface="+mn-lt"/>
+                <a:ea typeface="+mn-ea"/>
+                <a:cs typeface="+mn-cs"/>
+              </a:defRPr>
+            </a:lvl8pPr>
+            <a:lvl9pPr marL="3886200" indent="-228600" algn="l" defTabSz="914400" rtl="0" eaLnBrk="1" latinLnBrk="1" hangingPunct="1">
+              <a:lnSpc>
+                <a:spcPct val="90000"/>
+              </a:lnSpc>
+              <a:spcBef>
+                <a:spcPts val="500"/>
+              </a:spcBef>
+              <a:buFont typeface="Arial" panose="020B0604020202020204" pitchFamily="34" charset="0"/>
+              <a:buChar char="•"/>
+              <a:defRPr sz="1800" kern="1200">
+                <a:solidFill>
+                  <a:schemeClr val="tx1"/>
+                </a:solidFill>
+                <a:latin typeface="+mn-lt"/>
+                <a:ea typeface="+mn-ea"/>
+                <a:cs typeface="+mn-cs"/>
+              </a:defRPr>
+            </a:lvl9pPr>
+          </a:lstStyle>
+          <a:p>
+            <a:pPr marL="0" indent="0">
+              <a:buNone/>
+            </a:pPr>
+            <a:r>
+              <a:rPr lang="ko-KR" altLang="en-US" dirty="0" smtClean="0"/>
               <a:t>실습 </a:t>
             </a:r>
             <a:r>
@@ -12894,28 +13267,28 @@
               <a:t>테이블에 </a:t>
             </a:r>
             <a:r>
-              <a:rPr lang="ko-KR" altLang="en-US" dirty="0" err="1" smtClean="0"/>
-              <a:t>입력시</a:t>
-            </a:r>
-            <a:r>
               <a:rPr lang="ko-KR" altLang="en-US" dirty="0" smtClean="0"/>
-              <a:t> 이력 테이블에 입력 되도록 트리거를 </a:t>
-            </a:r>
-            <a:r>
-              <a:rPr lang="ko-KR" altLang="en-US" dirty="0" err="1" smtClean="0"/>
-              <a:t>생성하시오</a:t>
+              <a:t>입력 시 </a:t>
+            </a:r>
+            <a:r>
+              <a:rPr lang="ko-KR" altLang="en-US" dirty="0" smtClean="0"/>
+              <a:t>이력 테이블에 입력 되도록 트리거를 </a:t>
+            </a:r>
+            <a:r>
+              <a:rPr lang="ko-KR" altLang="en-US" dirty="0" smtClean="0"/>
+              <a:t>생성 하시오</a:t>
             </a:r>
             <a:r>
               <a:rPr lang="en-US" altLang="ko-KR" dirty="0" smtClean="0"/>
               <a:t>. </a:t>
             </a:r>
             <a:r>
-              <a:rPr lang="ko-KR" altLang="en-US" dirty="0" err="1" smtClean="0"/>
-              <a:t>입력시</a:t>
-            </a:r>
-            <a:r>
               <a:rPr lang="ko-KR" altLang="en-US" dirty="0" smtClean="0"/>
-              <a:t> 지급 금액은 </a:t>
+              <a:t>이력테이블에 입력 시 </a:t>
+            </a:r>
+            <a:r>
+              <a:rPr lang="ko-KR" altLang="en-US" dirty="0" smtClean="0"/>
+              <a:t>지급 금액은 </a:t>
             </a:r>
             <a:r>
               <a:rPr lang="en-US" altLang="ko-KR" dirty="0" smtClean="0"/>
@@ -14455,8 +14828,8 @@
         </p:nvSpPr>
         <p:spPr>
           <a:xfrm>
-            <a:off x="457200" y="1387258"/>
-            <a:ext cx="11222182" cy="4525963"/>
+            <a:off x="457200" y="956337"/>
+            <a:ext cx="11871434" cy="4525963"/>
           </a:xfrm>
           <a:prstGeom prst="rect">
             <a:avLst/>
@@ -14634,40 +15007,231 @@
             </a:pPr>
             <a:r>
               <a:rPr lang="ko-KR" altLang="en-US" sz="1600" dirty="0" smtClean="0"/>
-              <a:t>예제 결과</a:t>
+              <a:t>예제</a:t>
+            </a:r>
+            <a:endParaRPr lang="en-US" altLang="ko-KR" sz="1600" dirty="0" smtClean="0"/>
+          </a:p>
+          <a:p>
+            <a:pPr marL="0" indent="0">
+              <a:buNone/>
+            </a:pPr>
+            <a:r>
+              <a:rPr lang="en-US" altLang="ko-KR" sz="2400" b="1" dirty="0" smtClean="0"/>
+              <a:t>delimiter </a:t>
+            </a:r>
+            <a:r>
+              <a:rPr lang="en-US" altLang="ko-KR" sz="2400" b="1" dirty="0"/>
+              <a:t>//</a:t>
+            </a:r>
+          </a:p>
+          <a:p>
+            <a:pPr marL="0" indent="0">
+              <a:buNone/>
+            </a:pPr>
+            <a:r>
+              <a:rPr lang="en-US" altLang="ko-KR" sz="2400" b="1" dirty="0"/>
+              <a:t>  CREATE TRIGGER </a:t>
+            </a:r>
+            <a:r>
+              <a:rPr lang="en-US" altLang="ko-KR" sz="2400" b="1" dirty="0" err="1" smtClean="0"/>
+              <a:t>customer_data_insert_history_b</a:t>
+            </a:r>
+            <a:endParaRPr lang="en-US" altLang="ko-KR" sz="2400" b="1" dirty="0"/>
+          </a:p>
+          <a:p>
+            <a:pPr marL="0" indent="0">
+              <a:buNone/>
+            </a:pPr>
+            <a:r>
+              <a:rPr lang="en-US" altLang="ko-KR" sz="2400" b="1" dirty="0"/>
+              <a:t>  BEFORE INSERT</a:t>
+            </a:r>
+          </a:p>
+          <a:p>
+            <a:pPr marL="0" indent="0">
+              <a:buNone/>
+            </a:pPr>
+            <a:r>
+              <a:rPr lang="en-US" altLang="ko-KR" sz="2400" b="1" dirty="0"/>
+              <a:t>  ON customer FOR EACH ROW</a:t>
+            </a:r>
+          </a:p>
+          <a:p>
+            <a:pPr marL="0" indent="0">
+              <a:buNone/>
+            </a:pPr>
+            <a:r>
+              <a:rPr lang="en-US" altLang="ko-KR" sz="2400" b="1" dirty="0"/>
+              <a:t>  BEGIN</a:t>
+            </a:r>
+          </a:p>
+          <a:p>
+            <a:pPr marL="0" indent="0">
+              <a:buNone/>
+            </a:pPr>
+            <a:r>
+              <a:rPr lang="en-US" altLang="ko-KR" sz="2400" b="1" dirty="0"/>
+              <a:t>    INSERT INTO </a:t>
+            </a:r>
+            <a:r>
+              <a:rPr lang="en-US" altLang="ko-KR" sz="2400" b="1" dirty="0" err="1"/>
+              <a:t>customer_history</a:t>
+            </a:r>
+            <a:r>
+              <a:rPr lang="en-US" altLang="ko-KR" sz="2400" b="1" dirty="0"/>
+              <a:t>(</a:t>
+            </a:r>
+            <a:r>
+              <a:rPr lang="en-US" altLang="ko-KR" sz="2400" b="1" dirty="0" err="1"/>
+              <a:t>c_id</a:t>
+            </a:r>
+            <a:r>
+              <a:rPr lang="en-US" altLang="ko-KR" sz="2400" b="1" dirty="0"/>
+              <a:t>, </a:t>
+            </a:r>
+            <a:r>
+              <a:rPr lang="en-US" altLang="ko-KR" sz="2400" b="1" dirty="0" err="1"/>
+              <a:t>c_name</a:t>
+            </a:r>
+            <a:r>
+              <a:rPr lang="en-US" altLang="ko-KR" sz="2400" b="1" dirty="0"/>
+              <a:t>, </a:t>
+            </a:r>
+            <a:r>
+              <a:rPr lang="en-US" altLang="ko-KR" sz="2400" b="1" dirty="0" err="1"/>
+              <a:t>c_mobile</a:t>
+            </a:r>
+            <a:r>
+              <a:rPr lang="en-US" altLang="ko-KR" sz="2400" b="1" dirty="0"/>
+              <a:t>, level, </a:t>
+            </a:r>
+            <a:r>
+              <a:rPr lang="en-US" altLang="ko-KR" sz="2400" b="1" dirty="0" err="1"/>
+              <a:t>zipcode</a:t>
+            </a:r>
+            <a:r>
+              <a:rPr lang="en-US" altLang="ko-KR" sz="2400" b="1" dirty="0"/>
+              <a:t>, age)</a:t>
+            </a:r>
+          </a:p>
+          <a:p>
+            <a:pPr marL="0" indent="0">
+              <a:buNone/>
+            </a:pPr>
+            <a:r>
+              <a:rPr lang="en-US" altLang="ko-KR" sz="2400" b="1" dirty="0"/>
+              <a:t>    VALUES(</a:t>
+            </a:r>
+            <a:r>
+              <a:rPr lang="en-US" altLang="ko-KR" sz="2400" b="1" dirty="0" err="1"/>
+              <a:t>NEW.c_id</a:t>
+            </a:r>
+            <a:r>
+              <a:rPr lang="en-US" altLang="ko-KR" sz="2400" b="1" dirty="0"/>
+              <a:t>, 'blank', '000', '-', '-', 0);</a:t>
+            </a:r>
+          </a:p>
+          <a:p>
+            <a:pPr marL="0" indent="0">
+              <a:buNone/>
+            </a:pPr>
+            <a:r>
+              <a:rPr lang="en-US" altLang="ko-KR" sz="2400" b="1" dirty="0"/>
+              <a:t>  END;//</a:t>
+            </a:r>
+          </a:p>
+          <a:p>
+            <a:pPr marL="0" indent="0">
+              <a:buNone/>
+            </a:pPr>
+            <a:r>
+              <a:rPr lang="en-US" altLang="ko-KR" sz="2400" b="1" dirty="0"/>
+              <a:t>delimiter </a:t>
+            </a:r>
+            <a:r>
+              <a:rPr lang="en-US" altLang="ko-KR" sz="2400" b="1" dirty="0" smtClean="0"/>
+              <a:t>; </a:t>
+            </a:r>
+          </a:p>
+          <a:p>
+            <a:pPr marL="0" indent="0">
+              <a:buNone/>
+            </a:pPr>
+            <a:endParaRPr lang="en-US" altLang="ko-KR" sz="1600" dirty="0"/>
+          </a:p>
+          <a:p>
+            <a:pPr marL="0" indent="0">
+              <a:buNone/>
+            </a:pPr>
+            <a:r>
+              <a:rPr lang="en-US" altLang="ko-KR" sz="1600" dirty="0"/>
+              <a:t>insert into customer(</a:t>
+            </a:r>
+            <a:r>
+              <a:rPr lang="en-US" altLang="ko-KR" sz="1600" dirty="0" err="1"/>
+              <a:t>c_id</a:t>
+            </a:r>
+            <a:r>
+              <a:rPr lang="en-US" altLang="ko-KR" sz="1600" dirty="0"/>
+              <a:t>, </a:t>
+            </a:r>
+            <a:r>
+              <a:rPr lang="en-US" altLang="ko-KR" sz="1600" dirty="0" err="1"/>
+              <a:t>c_name</a:t>
+            </a:r>
+            <a:r>
+              <a:rPr lang="en-US" altLang="ko-KR" sz="1600" dirty="0"/>
+              <a:t>, </a:t>
+            </a:r>
+            <a:r>
+              <a:rPr lang="en-US" altLang="ko-KR" sz="1600" dirty="0" err="1"/>
+              <a:t>c_mobile</a:t>
+            </a:r>
+            <a:r>
+              <a:rPr lang="en-US" altLang="ko-KR" sz="1600" dirty="0"/>
+              <a:t>, level, </a:t>
+            </a:r>
+            <a:r>
+              <a:rPr lang="en-US" altLang="ko-KR" sz="1600" dirty="0" err="1"/>
+              <a:t>zipcode</a:t>
+            </a:r>
+            <a:r>
+              <a:rPr lang="en-US" altLang="ko-KR" sz="1600" dirty="0"/>
+              <a:t>, age)</a:t>
+            </a:r>
+          </a:p>
+          <a:p>
+            <a:pPr marL="0" indent="0">
+              <a:buNone/>
+            </a:pPr>
+            <a:r>
+              <a:rPr lang="en-US" altLang="ko-KR" sz="1600" dirty="0" smtClean="0"/>
+              <a:t>values(32, </a:t>
+            </a:r>
+            <a:r>
+              <a:rPr lang="en-US" altLang="ko-KR" sz="1600" dirty="0"/>
+              <a:t>'</a:t>
+            </a:r>
+            <a:r>
+              <a:rPr lang="ko-KR" altLang="en-US" sz="1600" dirty="0" err="1" smtClean="0"/>
+              <a:t>트추가</a:t>
+            </a:r>
+            <a:r>
+              <a:rPr lang="en-US" altLang="ko-KR" sz="1600" dirty="0" smtClean="0"/>
+              <a:t>', </a:t>
+            </a:r>
+            <a:r>
+              <a:rPr lang="en-US" altLang="ko-KR" sz="1600" dirty="0"/>
+              <a:t>'010-0000-0011', 'TOP', '12312', 40);</a:t>
             </a:r>
             <a:endParaRPr lang="en-US" altLang="ko-KR" sz="1600" dirty="0" smtClean="0"/>
           </a:p>
         </p:txBody>
       </p:sp>
-      <p:pic>
-        <p:nvPicPr>
-          <p:cNvPr id="2" name="그림 1"/>
-          <p:cNvPicPr>
-            <a:picLocks noChangeAspect="1"/>
-          </p:cNvPicPr>
-          <p:nvPr/>
-        </p:nvPicPr>
-        <p:blipFill>
-          <a:blip r:embed="rId2"/>
-          <a:stretch>
-            <a:fillRect/>
-          </a:stretch>
-        </p:blipFill>
-        <p:spPr>
-          <a:xfrm>
-            <a:off x="869626" y="1832431"/>
-            <a:ext cx="10929419" cy="4080790"/>
-          </a:xfrm>
-          <a:prstGeom prst="rect">
-            <a:avLst/>
-          </a:prstGeom>
-        </p:spPr>
-      </p:pic>
     </p:spTree>
     <p:extLst>
       <p:ext uri="{BB962C8B-B14F-4D97-AF65-F5344CB8AC3E}">
-        <p14:creationId xmlns:p14="http://schemas.microsoft.com/office/powerpoint/2010/main" val="2399029649"/>
+        <p14:creationId xmlns:p14="http://schemas.microsoft.com/office/powerpoint/2010/main" val="3048935773"/>
       </p:ext>
     </p:extLst>
   </p:cSld>
@@ -14761,7 +15325,7 @@
         </p:nvSpPr>
         <p:spPr>
           <a:xfrm>
-            <a:off x="457200" y="1199368"/>
+            <a:off x="457200" y="1387258"/>
             <a:ext cx="11222182" cy="4525963"/>
           </a:xfrm>
           <a:prstGeom prst="rect">
@@ -14939,55 +15503,10 @@
               <a:buNone/>
             </a:pPr>
             <a:r>
-              <a:rPr lang="ko-KR" altLang="en-US" dirty="0" smtClean="0"/>
-              <a:t>트리거 확인 </a:t>
-            </a:r>
-            <a:r>
-              <a:rPr lang="en-US" altLang="ko-KR" dirty="0" smtClean="0"/>
-              <a:t>1: </a:t>
-            </a:r>
-            <a:r>
-              <a:rPr lang="ko-KR" altLang="en-US" dirty="0" smtClean="0"/>
-              <a:t>생성된 내용까지 모두 보여 줌</a:t>
-            </a:r>
-            <a:r>
-              <a:rPr lang="en-US" altLang="ko-KR" dirty="0" smtClean="0"/>
-              <a:t>.</a:t>
-            </a:r>
-          </a:p>
-          <a:p>
-            <a:pPr marL="0" indent="0">
-              <a:buNone/>
-            </a:pPr>
-            <a:r>
-              <a:rPr lang="en-US" altLang="ko-KR" dirty="0"/>
-              <a:t> </a:t>
-            </a:r>
-            <a:r>
-              <a:rPr lang="en-US" altLang="ko-KR" dirty="0" smtClean="0"/>
-              <a:t>- SHOW TRIGGERS;</a:t>
-            </a:r>
-          </a:p>
-          <a:p>
-            <a:pPr marL="0" indent="0">
-              <a:buNone/>
-            </a:pPr>
-            <a:r>
-              <a:rPr lang="en-US" altLang="ko-KR" dirty="0"/>
-              <a:t> </a:t>
-            </a:r>
-            <a:r>
-              <a:rPr lang="en-US" altLang="ko-KR" dirty="0" smtClean="0"/>
-              <a:t>- </a:t>
-            </a:r>
-            <a:r>
-              <a:rPr lang="ko-KR" altLang="en-US" dirty="0" smtClean="0"/>
-              <a:t>생성한 트리거 목록을 확인할 수 있음</a:t>
-            </a:r>
-            <a:r>
-              <a:rPr lang="en-US" altLang="ko-KR" dirty="0" smtClean="0"/>
-              <a:t>.</a:t>
-            </a:r>
+              <a:rPr lang="ko-KR" altLang="en-US" sz="1600" dirty="0" smtClean="0"/>
+              <a:t>예제 결과</a:t>
+            </a:r>
+            <a:endParaRPr lang="en-US" altLang="ko-KR" sz="1600" dirty="0" smtClean="0"/>
           </a:p>
         </p:txBody>
       </p:sp>
@@ -15007,8 +15526,8 @@
         </p:blipFill>
         <p:spPr>
           <a:xfrm>
-            <a:off x="1220063" y="2832259"/>
-            <a:ext cx="9154803" cy="3648584"/>
+            <a:off x="869626" y="1832431"/>
+            <a:ext cx="10929419" cy="4080790"/>
           </a:xfrm>
           <a:prstGeom prst="rect">
             <a:avLst/>
@@ -15018,7 +15537,7 @@
     </p:spTree>
     <p:extLst>
       <p:ext uri="{BB962C8B-B14F-4D97-AF65-F5344CB8AC3E}">
-        <p14:creationId xmlns:p14="http://schemas.microsoft.com/office/powerpoint/2010/main" val="4231969175"/>
+        <p14:creationId xmlns:p14="http://schemas.microsoft.com/office/powerpoint/2010/main" val="2399029649"/>
       </p:ext>
     </p:extLst>
   </p:cSld>
@@ -15295,11 +15814,11 @@
             </a:r>
             <a:r>
               <a:rPr lang="en-US" altLang="ko-KR" dirty="0" smtClean="0"/>
-              <a:t>2 : </a:t>
+              <a:t>1: </a:t>
             </a:r>
             <a:r>
               <a:rPr lang="ko-KR" altLang="en-US" dirty="0" smtClean="0"/>
-              <a:t>테이블로 확인하여 원하는 컬럼만 골라서 볼 수 있음</a:t>
+              <a:t>생성된 내용까지 모두 보여 줌</a:t>
             </a:r>
             <a:r>
               <a:rPr lang="en-US" altLang="ko-KR" dirty="0" smtClean="0"/>
@@ -15316,82 +15835,35 @@
             </a:r>
             <a:r>
               <a:rPr lang="en-US" altLang="ko-KR" dirty="0" smtClean="0"/>
+              <a:t>- SHOW TRIGGERS;</a:t>
+            </a:r>
+          </a:p>
+          <a:p>
+            <a:pPr marL="0" indent="0">
+              <a:buNone/>
+            </a:pPr>
+            <a:r>
+              <a:rPr lang="en-US" altLang="ko-KR" dirty="0"/>
+              <a:t> </a:t>
+            </a:r>
+            <a:r>
+              <a:rPr lang="en-US" altLang="ko-KR" dirty="0" smtClean="0"/>
               <a:t>- </a:t>
             </a:r>
             <a:r>
-              <a:rPr lang="en-US" altLang="ko-KR" dirty="0"/>
-              <a:t>select </a:t>
-            </a:r>
-            <a:r>
-              <a:rPr lang="en-US" altLang="ko-KR" dirty="0" err="1"/>
-              <a:t>trigger_schema</a:t>
-            </a:r>
-            <a:r>
-              <a:rPr lang="en-US" altLang="ko-KR" dirty="0"/>
-              <a:t>, </a:t>
-            </a:r>
-            <a:r>
-              <a:rPr lang="en-US" altLang="ko-KR" dirty="0" err="1"/>
-              <a:t>trigger_name</a:t>
-            </a:r>
-            <a:endParaRPr lang="en-US" altLang="ko-KR" dirty="0"/>
-          </a:p>
-          <a:p>
-            <a:pPr marL="0" indent="0">
-              <a:buNone/>
-            </a:pPr>
-            <a:r>
-              <a:rPr lang="en-US" altLang="ko-KR" dirty="0"/>
-              <a:t>   </a:t>
+              <a:rPr lang="ko-KR" altLang="en-US" dirty="0" smtClean="0"/>
+              <a:t>생성한 트리거 목록을 확인할 수 있음</a:t>
             </a:r>
             <a:r>
               <a:rPr lang="en-US" altLang="ko-KR" dirty="0" smtClean="0"/>
-              <a:t>  </a:t>
-            </a:r>
-            <a:r>
-              <a:rPr lang="en-US" altLang="ko-KR" dirty="0"/>
-              <a:t>from </a:t>
-            </a:r>
-            <a:r>
-              <a:rPr lang="en-US" altLang="ko-KR" dirty="0" err="1"/>
-              <a:t>information_schema.triggers</a:t>
-            </a:r>
-            <a:endParaRPr lang="en-US" altLang="ko-KR" dirty="0"/>
-          </a:p>
-          <a:p>
-            <a:pPr marL="0" indent="0">
-              <a:buNone/>
-            </a:pPr>
-            <a:r>
-              <a:rPr lang="en-US" altLang="ko-KR" dirty="0"/>
-              <a:t>   </a:t>
-            </a:r>
-            <a:r>
-              <a:rPr lang="en-US" altLang="ko-KR" dirty="0" smtClean="0"/>
-              <a:t> where </a:t>
-            </a:r>
-            <a:r>
-              <a:rPr lang="en-US" altLang="ko-KR" dirty="0" err="1"/>
-              <a:t>trigger_schema</a:t>
-            </a:r>
-            <a:r>
-              <a:rPr lang="en-US" altLang="ko-KR" dirty="0"/>
-              <a:t> = '</a:t>
-            </a:r>
-            <a:r>
-              <a:rPr lang="en-US" altLang="ko-KR" dirty="0" err="1"/>
-              <a:t>test_user</a:t>
-            </a:r>
-            <a:r>
-              <a:rPr lang="en-US" altLang="ko-KR" dirty="0" smtClean="0"/>
-              <a:t>';</a:t>
+              <a:t>.</a:t>
             </a:r>
           </a:p>
         </p:txBody>
       </p:sp>
       <p:pic>
         <p:nvPicPr>
-          <p:cNvPr id="3" name="그림 2"/>
+          <p:cNvPr id="2" name="그림 1"/>
           <p:cNvPicPr>
             <a:picLocks noChangeAspect="1"/>
           </p:cNvPicPr>
@@ -15405,8 +15877,8 @@
         </p:blipFill>
         <p:spPr>
           <a:xfrm>
-            <a:off x="4152628" y="3310484"/>
-            <a:ext cx="7704871" cy="3002633"/>
+            <a:off x="1220063" y="2832259"/>
+            <a:ext cx="9154803" cy="3648584"/>
           </a:xfrm>
           <a:prstGeom prst="rect">
             <a:avLst/>
@@ -15416,7 +15888,7 @@
     </p:spTree>
     <p:extLst>
       <p:ext uri="{BB962C8B-B14F-4D97-AF65-F5344CB8AC3E}">
-        <p14:creationId xmlns:p14="http://schemas.microsoft.com/office/powerpoint/2010/main" val="814718721"/>
+        <p14:creationId xmlns:p14="http://schemas.microsoft.com/office/powerpoint/2010/main" val="4231969175"/>
       </p:ext>
     </p:extLst>
   </p:cSld>
@@ -15689,21 +16161,20 @@
             </a:pPr>
             <a:r>
               <a:rPr lang="ko-KR" altLang="en-US" dirty="0" smtClean="0"/>
-              <a:t>트리거 삭제 </a:t>
+              <a:t>트리거 확인 </a:t>
             </a:r>
             <a:r>
               <a:rPr lang="en-US" altLang="ko-KR" dirty="0" smtClean="0"/>
-              <a:t>: </a:t>
-            </a:r>
-            <a:r>
-              <a:rPr lang="ko-KR" altLang="en-US" dirty="0"/>
-              <a:t>생성한 트리거를 </a:t>
+              <a:t>2 : </a:t>
             </a:r>
             <a:r>
               <a:rPr lang="ko-KR" altLang="en-US" dirty="0" smtClean="0"/>
-              <a:t>삭제</a:t>
-            </a:r>
-            <a:endParaRPr lang="en-US" altLang="ko-KR" dirty="0" smtClean="0"/>
+              <a:t>테이블로 확인하여 원하는 컬럼만 골라서 볼 수 있음</a:t>
+            </a:r>
+            <a:r>
+              <a:rPr lang="en-US" altLang="ko-KR" dirty="0" smtClean="0"/>
+              <a:t>.</a:t>
+            </a:r>
           </a:p>
           <a:p>
             <a:pPr marL="0" indent="0">
@@ -15715,15 +16186,35 @@
             </a:r>
             <a:r>
               <a:rPr lang="en-US" altLang="ko-KR" dirty="0" smtClean="0"/>
-              <a:t>- DROP TRIGGER </a:t>
-            </a:r>
-            <a:r>
-              <a:rPr lang="ko-KR" altLang="en-US" dirty="0" err="1" smtClean="0"/>
-              <a:t>트리거명</a:t>
+              <a:t>- </a:t>
+            </a:r>
+            <a:r>
+              <a:rPr lang="en-US" altLang="ko-KR" dirty="0"/>
+              <a:t>select </a:t>
+            </a:r>
+            <a:r>
+              <a:rPr lang="en-US" altLang="ko-KR" dirty="0" err="1"/>
+              <a:t>trigger_schema</a:t>
+            </a:r>
+            <a:r>
+              <a:rPr lang="en-US" altLang="ko-KR" dirty="0"/>
+              <a:t>, </a:t>
+            </a:r>
+            <a:r>
+              <a:rPr lang="en-US" altLang="ko-KR" dirty="0" err="1" smtClean="0"/>
+              <a:t>trigger_name</a:t>
+            </a:r>
+            <a:r>
+              <a:rPr lang="en-US" altLang="ko-KR" dirty="0"/>
+              <a:t>, </a:t>
+            </a:r>
+            <a:r>
+              <a:rPr lang="en-US" altLang="ko-KR" dirty="0" err="1" smtClean="0"/>
+              <a:t>event_object_table</a:t>
             </a:r>
             <a:r>
               <a:rPr lang="en-US" altLang="ko-KR" dirty="0" smtClean="0"/>
-              <a:t>;</a:t>
+              <a:t>,             </a:t>
             </a:r>
           </a:p>
           <a:p>
@@ -15736,15 +16227,71 @@
             </a:r>
             <a:r>
               <a:rPr lang="en-US" altLang="ko-KR" dirty="0" smtClean="0"/>
-              <a:t>※ </a:t>
-            </a:r>
-            <a:r>
-              <a:rPr lang="ko-KR" altLang="en-US" dirty="0" smtClean="0"/>
-              <a:t>삭제 확인 메시지 없이 바로 삭제 됨</a:t>
+              <a:t>           </a:t>
+            </a:r>
+            <a:r>
+              <a:rPr lang="en-US" altLang="ko-KR" dirty="0" err="1" smtClean="0"/>
+              <a:t>action_timing</a:t>
             </a:r>
             <a:r>
               <a:rPr lang="en-US" altLang="ko-KR" dirty="0" smtClean="0"/>
-              <a:t>.</a:t>
+              <a:t>, </a:t>
+            </a:r>
+            <a:r>
+              <a:rPr lang="en-US" altLang="ko-KR" dirty="0" err="1" smtClean="0"/>
+              <a:t>event_manipulation</a:t>
+            </a:r>
+            <a:endParaRPr lang="en-US" altLang="ko-KR" dirty="0"/>
+          </a:p>
+          <a:p>
+            <a:pPr marL="0" indent="0">
+              <a:buNone/>
+            </a:pPr>
+            <a:r>
+              <a:rPr lang="en-US" altLang="ko-KR" dirty="0"/>
+              <a:t>   </a:t>
+            </a:r>
+            <a:r>
+              <a:rPr lang="en-US" altLang="ko-KR" dirty="0" smtClean="0"/>
+              <a:t>  </a:t>
+            </a:r>
+            <a:r>
+              <a:rPr lang="en-US" altLang="ko-KR" dirty="0"/>
+              <a:t>from </a:t>
+            </a:r>
+            <a:r>
+              <a:rPr lang="en-US" altLang="ko-KR" dirty="0" err="1"/>
+              <a:t>information_schema.triggers</a:t>
+            </a:r>
+            <a:endParaRPr lang="en-US" altLang="ko-KR" dirty="0"/>
+          </a:p>
+          <a:p>
+            <a:pPr marL="0" indent="0">
+              <a:buNone/>
+            </a:pPr>
+            <a:r>
+              <a:rPr lang="en-US" altLang="ko-KR" dirty="0"/>
+              <a:t>   </a:t>
+            </a:r>
+            <a:r>
+              <a:rPr lang="en-US" altLang="ko-KR" dirty="0" smtClean="0"/>
+              <a:t> where </a:t>
+            </a:r>
+            <a:r>
+              <a:rPr lang="en-US" altLang="ko-KR" dirty="0" err="1"/>
+              <a:t>trigger_schema</a:t>
+            </a:r>
+            <a:r>
+              <a:rPr lang="en-US" altLang="ko-KR" dirty="0"/>
+              <a:t> = '</a:t>
+            </a:r>
+            <a:r>
+              <a:rPr lang="en-US" altLang="ko-KR" dirty="0" err="1"/>
+              <a:t>test_user</a:t>
+            </a:r>
+            <a:r>
+              <a:rPr lang="en-US" altLang="ko-KR" dirty="0" smtClean="0"/>
+              <a:t>';</a:t>
             </a:r>
           </a:p>
         </p:txBody>
@@ -15765,8 +16312,8 @@
         </p:blipFill>
         <p:spPr>
           <a:xfrm>
-            <a:off x="4687376" y="2599354"/>
-            <a:ext cx="6348054" cy="4040974"/>
+            <a:off x="232424" y="4390123"/>
+            <a:ext cx="11671734" cy="1634896"/>
           </a:xfrm>
           <a:prstGeom prst="rect">
             <a:avLst/>
@@ -15776,7 +16323,7 @@
     </p:spTree>
     <p:extLst>
       <p:ext uri="{BB962C8B-B14F-4D97-AF65-F5344CB8AC3E}">
-        <p14:creationId xmlns:p14="http://schemas.microsoft.com/office/powerpoint/2010/main" val="4242479325"/>
+        <p14:creationId xmlns:p14="http://schemas.microsoft.com/office/powerpoint/2010/main" val="814718721"/>
       </p:ext>
     </p:extLst>
   </p:cSld>
